--- a/Types of File System.pptx
+++ b/Types of File System.pptx
@@ -1,27 +1,23 @@
 
 <file path=ppt/presentation.xml><?xml version="1.0" encoding="utf-8"?>
-<p:presentation xmlns:a="http://schemas.openxmlformats.org/drawingml/2006/main" xmlns:r="http://schemas.openxmlformats.org/officeDocument/2006/relationships" xmlns:p="http://schemas.openxmlformats.org/presentationml/2006/main" saveSubsetFonts="1">
+<p:presentation xmlns:a="http://schemas.openxmlformats.org/drawingml/2006/main" xmlns:r="http://schemas.openxmlformats.org/officeDocument/2006/relationships" xmlns:p="http://schemas.openxmlformats.org/presentationml/2006/main" saveSubsetFonts="1" bookmarkIdSeed="2">
   <p:sldMasterIdLst>
     <p:sldMasterId id="2147483648" r:id="rId1"/>
   </p:sldMasterIdLst>
   <p:sldIdLst>
-    <p:sldId id="269" r:id="rId2"/>
-    <p:sldId id="270" r:id="rId3"/>
-    <p:sldId id="267" r:id="rId4"/>
-    <p:sldId id="257" r:id="rId5"/>
-    <p:sldId id="258" r:id="rId6"/>
+    <p:sldId id="267" r:id="rId2"/>
+    <p:sldId id="257" r:id="rId3"/>
+    <p:sldId id="258" r:id="rId4"/>
+    <p:sldId id="268" r:id="rId5"/>
+    <p:sldId id="269" r:id="rId6"/>
     <p:sldId id="264" r:id="rId7"/>
-    <p:sldId id="271" r:id="rId8"/>
-    <p:sldId id="272" r:id="rId9"/>
-    <p:sldId id="273" r:id="rId10"/>
-    <p:sldId id="259" r:id="rId11"/>
-    <p:sldId id="262" r:id="rId12"/>
-    <p:sldId id="260" r:id="rId13"/>
-    <p:sldId id="261" r:id="rId14"/>
-    <p:sldId id="263" r:id="rId15"/>
-    <p:sldId id="268" r:id="rId16"/>
-    <p:sldId id="265" r:id="rId17"/>
-    <p:sldId id="266" r:id="rId18"/>
+    <p:sldId id="259" r:id="rId8"/>
+    <p:sldId id="262" r:id="rId9"/>
+    <p:sldId id="260" r:id="rId10"/>
+    <p:sldId id="261" r:id="rId11"/>
+    <p:sldId id="263" r:id="rId12"/>
+    <p:sldId id="265" r:id="rId13"/>
+    <p:sldId id="266" r:id="rId14"/>
   </p:sldIdLst>
   <p:sldSz cx="12192000" cy="6858000"/>
   <p:notesSz cx="6858000" cy="9144000"/>
@@ -259,7 +255,7 @@
           <a:p>
             <a:fld id="{4041559D-1B5E-47C9-9B43-1FA495CEDCF0}" type="datetimeFigureOut">
               <a:rPr lang="en-US" smtClean="0"/>
-              <a:t>3/21/2018</a:t>
+              <a:t>3/20/2018</a:t>
             </a:fld>
             <a:endParaRPr lang="en-US"/>
           </a:p>
@@ -429,7 +425,7 @@
           <a:p>
             <a:fld id="{4041559D-1B5E-47C9-9B43-1FA495CEDCF0}" type="datetimeFigureOut">
               <a:rPr lang="en-US" smtClean="0"/>
-              <a:t>3/21/2018</a:t>
+              <a:t>3/20/2018</a:t>
             </a:fld>
             <a:endParaRPr lang="en-US"/>
           </a:p>
@@ -609,7 +605,7 @@
           <a:p>
             <a:fld id="{4041559D-1B5E-47C9-9B43-1FA495CEDCF0}" type="datetimeFigureOut">
               <a:rPr lang="en-US" smtClean="0"/>
-              <a:t>3/21/2018</a:t>
+              <a:t>3/20/2018</a:t>
             </a:fld>
             <a:endParaRPr lang="en-US"/>
           </a:p>
@@ -779,7 +775,7 @@
           <a:p>
             <a:fld id="{4041559D-1B5E-47C9-9B43-1FA495CEDCF0}" type="datetimeFigureOut">
               <a:rPr lang="en-US" smtClean="0"/>
-              <a:t>3/21/2018</a:t>
+              <a:t>3/20/2018</a:t>
             </a:fld>
             <a:endParaRPr lang="en-US"/>
           </a:p>
@@ -1025,7 +1021,7 @@
           <a:p>
             <a:fld id="{4041559D-1B5E-47C9-9B43-1FA495CEDCF0}" type="datetimeFigureOut">
               <a:rPr lang="en-US" smtClean="0"/>
-              <a:t>3/21/2018</a:t>
+              <a:t>3/20/2018</a:t>
             </a:fld>
             <a:endParaRPr lang="en-US"/>
           </a:p>
@@ -1257,7 +1253,7 @@
           <a:p>
             <a:fld id="{4041559D-1B5E-47C9-9B43-1FA495CEDCF0}" type="datetimeFigureOut">
               <a:rPr lang="en-US" smtClean="0"/>
-              <a:t>3/21/2018</a:t>
+              <a:t>3/20/2018</a:t>
             </a:fld>
             <a:endParaRPr lang="en-US"/>
           </a:p>
@@ -1624,7 +1620,7 @@
           <a:p>
             <a:fld id="{4041559D-1B5E-47C9-9B43-1FA495CEDCF0}" type="datetimeFigureOut">
               <a:rPr lang="en-US" smtClean="0"/>
-              <a:t>3/21/2018</a:t>
+              <a:t>3/20/2018</a:t>
             </a:fld>
             <a:endParaRPr lang="en-US"/>
           </a:p>
@@ -1742,7 +1738,7 @@
           <a:p>
             <a:fld id="{4041559D-1B5E-47C9-9B43-1FA495CEDCF0}" type="datetimeFigureOut">
               <a:rPr lang="en-US" smtClean="0"/>
-              <a:t>3/21/2018</a:t>
+              <a:t>3/20/2018</a:t>
             </a:fld>
             <a:endParaRPr lang="en-US"/>
           </a:p>
@@ -1837,7 +1833,7 @@
           <a:p>
             <a:fld id="{4041559D-1B5E-47C9-9B43-1FA495CEDCF0}" type="datetimeFigureOut">
               <a:rPr lang="en-US" smtClean="0"/>
-              <a:t>3/21/2018</a:t>
+              <a:t>3/20/2018</a:t>
             </a:fld>
             <a:endParaRPr lang="en-US"/>
           </a:p>
@@ -2114,7 +2110,7 @@
           <a:p>
             <a:fld id="{4041559D-1B5E-47C9-9B43-1FA495CEDCF0}" type="datetimeFigureOut">
               <a:rPr lang="en-US" smtClean="0"/>
-              <a:t>3/21/2018</a:t>
+              <a:t>3/20/2018</a:t>
             </a:fld>
             <a:endParaRPr lang="en-US"/>
           </a:p>
@@ -2367,7 +2363,7 @@
           <a:p>
             <a:fld id="{4041559D-1B5E-47C9-9B43-1FA495CEDCF0}" type="datetimeFigureOut">
               <a:rPr lang="en-US" smtClean="0"/>
-              <a:t>3/21/2018</a:t>
+              <a:t>3/20/2018</a:t>
             </a:fld>
             <a:endParaRPr lang="en-US"/>
           </a:p>
@@ -2580,7 +2576,7 @@
           <a:p>
             <a:fld id="{4041559D-1B5E-47C9-9B43-1FA495CEDCF0}" type="datetimeFigureOut">
               <a:rPr lang="en-US" smtClean="0"/>
-              <a:t>3/21/2018</a:t>
+              <a:t>3/20/2018</a:t>
             </a:fld>
             <a:endParaRPr lang="en-US"/>
           </a:p>
@@ -3000,10 +2996,9 @@
           <a:bodyPr/>
           <a:lstStyle/>
           <a:p>
-            <a:pPr algn="ctr"/>
             <a:r>
               <a:rPr lang="en-US" dirty="0" smtClean="0"/>
-              <a:t>File System</a:t>
+              <a:t>File Attributes</a:t>
             </a:r>
             <a:endParaRPr lang="en-US" dirty="0"/>
           </a:p>
@@ -3025,612 +3020,18 @@
           <a:lstStyle/>
           <a:p>
             <a:r>
-              <a:rPr lang="en-US" dirty="0"/>
-              <a:t>A file system provides a way of separating the data on the drive into individual pieces, which are the files. </a:t>
-            </a:r>
-            <a:endParaRPr lang="en-US" dirty="0" smtClean="0"/>
-          </a:p>
-          <a:p>
-            <a:r>
-              <a:rPr lang="en-US" dirty="0" smtClean="0"/>
-              <a:t>It </a:t>
-            </a:r>
-            <a:r>
-              <a:rPr lang="en-US" dirty="0"/>
-              <a:t>also provides a way to store data about these files — for example, their filenames, permissions, and other attributes. </a:t>
-            </a:r>
-            <a:endParaRPr lang="en-US" dirty="0" smtClean="0"/>
-          </a:p>
-          <a:p>
-            <a:r>
-              <a:rPr lang="en-US" dirty="0" smtClean="0"/>
-              <a:t>The </a:t>
-            </a:r>
-            <a:r>
-              <a:rPr lang="en-US" dirty="0"/>
-              <a:t>file system also provides an index — a list of the files on the drive and where they’re located on the drive, so the operating system can see what’s on the drive in one place rather than </a:t>
-            </a:r>
-            <a:r>
-              <a:rPr lang="en-US" dirty="0" smtClean="0"/>
-              <a:t>combining </a:t>
-            </a:r>
-            <a:r>
-              <a:rPr lang="en-US" dirty="0"/>
-              <a:t>through the entire drive to find a file.</a:t>
-            </a:r>
-          </a:p>
-        </p:txBody>
-      </p:sp>
-      <p:pic>
-        <p:nvPicPr>
-          <p:cNvPr id="4" name="Picture 3"/>
-          <p:cNvPicPr>
-            <a:picLocks noChangeAspect="1"/>
-          </p:cNvPicPr>
-          <p:nvPr/>
-        </p:nvPicPr>
-        <p:blipFill>
-          <a:blip r:embed="rId2">
-            <a:extLst>
-              <a:ext uri="{28A0092B-C50C-407E-A947-70E740481C1C}">
-                <a14:useLocalDpi xmlns:a14="http://schemas.microsoft.com/office/drawing/2010/main" val="0"/>
-              </a:ext>
-            </a:extLst>
-          </a:blip>
-          <a:stretch>
-            <a:fillRect/>
-          </a:stretch>
-        </p:blipFill>
-        <p:spPr>
-          <a:xfrm>
-            <a:off x="8178219" y="4920803"/>
-            <a:ext cx="2609850" cy="1524000"/>
-          </a:xfrm>
-          <a:prstGeom prst="rect">
-            <a:avLst/>
-          </a:prstGeom>
-        </p:spPr>
-      </p:pic>
-    </p:spTree>
-    <p:extLst>
-      <p:ext uri="{BB962C8B-B14F-4D97-AF65-F5344CB8AC3E}">
-        <p14:creationId xmlns:p14="http://schemas.microsoft.com/office/powerpoint/2010/main" val="2736787099"/>
-      </p:ext>
-    </p:extLst>
-  </p:cSld>
-  <p:clrMapOvr>
-    <a:masterClrMapping/>
-  </p:clrMapOvr>
-  <p:timing>
-    <p:tnLst>
-      <p:par>
-        <p:cTn id="1" dur="indefinite" restart="never" nodeType="tmRoot"/>
-      </p:par>
-    </p:tnLst>
-  </p:timing>
-</p:sld>
-</file>
-
-<file path=ppt/slides/slide10.xml><?xml version="1.0" encoding="utf-8"?>
-<p:sld xmlns:a="http://schemas.openxmlformats.org/drawingml/2006/main" xmlns:r="http://schemas.openxmlformats.org/officeDocument/2006/relationships" xmlns:p="http://schemas.openxmlformats.org/presentationml/2006/main">
-  <p:cSld>
-    <p:spTree>
-      <p:nvGrpSpPr>
-        <p:cNvPr id="1" name=""/>
-        <p:cNvGrpSpPr/>
-        <p:nvPr/>
-      </p:nvGrpSpPr>
-      <p:grpSpPr>
-        <a:xfrm>
-          <a:off x="0" y="0"/>
-          <a:ext cx="0" cy="0"/>
-          <a:chOff x="0" y="0"/>
-          <a:chExt cx="0" cy="0"/>
-        </a:xfrm>
-      </p:grpSpPr>
-      <p:sp>
-        <p:nvSpPr>
-          <p:cNvPr id="2" name="Title 1"/>
-          <p:cNvSpPr>
-            <a:spLocks noGrp="1"/>
-          </p:cNvSpPr>
-          <p:nvPr>
-            <p:ph type="title"/>
-          </p:nvPr>
-        </p:nvSpPr>
-        <p:spPr/>
-        <p:txBody>
-          <a:bodyPr/>
-          <a:lstStyle/>
-          <a:p>
-            <a:pPr algn="ctr"/>
-            <a:r>
-              <a:rPr lang="en-US" dirty="0" smtClean="0"/>
-              <a:t>NTFS</a:t>
-            </a:r>
-            <a:endParaRPr lang="en-US" dirty="0"/>
-          </a:p>
-        </p:txBody>
-      </p:sp>
-      <p:sp>
-        <p:nvSpPr>
-          <p:cNvPr id="3" name="Content Placeholder 2"/>
-          <p:cNvSpPr>
-            <a:spLocks noGrp="1"/>
-          </p:cNvSpPr>
-          <p:nvPr>
-            <p:ph idx="1"/>
-          </p:nvPr>
-        </p:nvSpPr>
-        <p:spPr/>
-        <p:txBody>
-          <a:bodyPr/>
-          <a:lstStyle/>
-          <a:p>
-            <a:r>
-              <a:rPr lang="en-US" dirty="0" smtClean="0"/>
-              <a:t>NTFS stands for New Technology File system . Windows operating system use NTFS file system for store and retrieve files from hardware. It is a file arranging format just as FAT and HPFS . NTFS file system organize the files into directories </a:t>
-            </a:r>
-            <a:r>
-              <a:rPr lang="en-US" dirty="0" smtClean="0"/>
-              <a:t>.</a:t>
-            </a:r>
-          </a:p>
-          <a:p>
-            <a:r>
-              <a:rPr lang="en-US" dirty="0" smtClean="0"/>
-              <a:t>Versions of NTFS:</a:t>
-            </a:r>
-          </a:p>
-          <a:p>
-            <a:pPr marL="514350" indent="-514350">
-              <a:buFont typeface="+mj-lt"/>
-              <a:buAutoNum type="arabicPeriod"/>
-            </a:pPr>
-            <a:r>
-              <a:rPr lang="en-US" dirty="0"/>
-              <a:t>NTFS </a:t>
-            </a:r>
-            <a:r>
-              <a:rPr lang="en-US" dirty="0" smtClean="0"/>
-              <a:t>v1.0</a:t>
-            </a:r>
-          </a:p>
-          <a:p>
-            <a:pPr marL="514350" indent="-514350">
-              <a:buFont typeface="+mj-lt"/>
-              <a:buAutoNum type="arabicPeriod"/>
-            </a:pPr>
-            <a:r>
-              <a:rPr lang="en-US" dirty="0"/>
-              <a:t>NTFS </a:t>
-            </a:r>
-            <a:r>
-              <a:rPr lang="en-US" dirty="0" smtClean="0"/>
-              <a:t>v1.2</a:t>
-            </a:r>
-          </a:p>
-          <a:p>
-            <a:pPr marL="514350" indent="-514350">
-              <a:buFont typeface="+mj-lt"/>
-              <a:buAutoNum type="arabicPeriod"/>
-            </a:pPr>
-            <a:r>
-              <a:rPr lang="en-US" dirty="0"/>
-              <a:t>NTFS </a:t>
-            </a:r>
-            <a:r>
-              <a:rPr lang="en-US" dirty="0" smtClean="0"/>
-              <a:t>v3.0</a:t>
-            </a:r>
-          </a:p>
-          <a:p>
-            <a:pPr marL="514350" indent="-514350">
-              <a:buFont typeface="+mj-lt"/>
-              <a:buAutoNum type="arabicPeriod"/>
-            </a:pPr>
-            <a:r>
-              <a:rPr lang="en-US" dirty="0"/>
-              <a:t>NTFS v3.1</a:t>
-            </a:r>
-            <a:endParaRPr lang="en-US" dirty="0"/>
-          </a:p>
-        </p:txBody>
-      </p:sp>
-    </p:spTree>
-    <p:extLst>
-      <p:ext uri="{BB962C8B-B14F-4D97-AF65-F5344CB8AC3E}">
-        <p14:creationId xmlns:p14="http://schemas.microsoft.com/office/powerpoint/2010/main" val="1411933196"/>
-      </p:ext>
-    </p:extLst>
-  </p:cSld>
-  <p:clrMapOvr>
-    <a:masterClrMapping/>
-  </p:clrMapOvr>
-  <p:timing>
-    <p:tnLst>
-      <p:par>
-        <p:cTn id="1" dur="indefinite" restart="never" nodeType="tmRoot"/>
-      </p:par>
-    </p:tnLst>
-  </p:timing>
-</p:sld>
-</file>
-
-<file path=ppt/slides/slide11.xml><?xml version="1.0" encoding="utf-8"?>
-<p:sld xmlns:a="http://schemas.openxmlformats.org/drawingml/2006/main" xmlns:r="http://schemas.openxmlformats.org/officeDocument/2006/relationships" xmlns:p="http://schemas.openxmlformats.org/presentationml/2006/main">
-  <p:cSld>
-    <p:spTree>
-      <p:nvGrpSpPr>
-        <p:cNvPr id="1" name=""/>
-        <p:cNvGrpSpPr/>
-        <p:nvPr/>
-      </p:nvGrpSpPr>
-      <p:grpSpPr>
-        <a:xfrm>
-          <a:off x="0" y="0"/>
-          <a:ext cx="0" cy="0"/>
-          <a:chOff x="0" y="0"/>
-          <a:chExt cx="0" cy="0"/>
-        </a:xfrm>
-      </p:grpSpPr>
-      <p:sp>
-        <p:nvSpPr>
-          <p:cNvPr id="2" name="Title 1"/>
-          <p:cNvSpPr>
-            <a:spLocks noGrp="1"/>
-          </p:cNvSpPr>
-          <p:nvPr>
-            <p:ph type="title"/>
-          </p:nvPr>
-        </p:nvSpPr>
-        <p:spPr/>
-        <p:txBody>
-          <a:bodyPr/>
-          <a:lstStyle/>
-          <a:p>
-            <a:pPr algn="ctr"/>
-            <a:r>
-              <a:rPr lang="en-US" b="1" dirty="0" smtClean="0"/>
-              <a:t>Naming Convention</a:t>
-            </a:r>
-            <a:endParaRPr lang="en-US" dirty="0"/>
-          </a:p>
-        </p:txBody>
-      </p:sp>
-      <p:sp>
-        <p:nvSpPr>
-          <p:cNvPr id="3" name="Content Placeholder 2"/>
-          <p:cNvSpPr>
-            <a:spLocks noGrp="1"/>
-          </p:cNvSpPr>
-          <p:nvPr>
-            <p:ph idx="1"/>
-          </p:nvPr>
-        </p:nvSpPr>
-        <p:spPr/>
-        <p:txBody>
-          <a:bodyPr/>
-          <a:lstStyle/>
-          <a:p>
-            <a:r>
-              <a:rPr lang="en-US" dirty="0" smtClean="0"/>
-              <a:t>File and directory names can be up to 255 characters long, including any extensions. </a:t>
-            </a:r>
-            <a:endParaRPr lang="en-US" dirty="0" smtClean="0"/>
-          </a:p>
-          <a:p>
-            <a:r>
-              <a:rPr lang="en-US" dirty="0" smtClean="0"/>
-              <a:t>It</a:t>
-            </a:r>
-            <a:r>
-              <a:rPr lang="en-US" dirty="0" smtClean="0"/>
-              <a:t> makes no distinction of filenames based on case. Names can contain any characters except for the following:</a:t>
-            </a:r>
-          </a:p>
-          <a:p>
-            <a:pPr marL="0" indent="0">
-              <a:buNone/>
-            </a:pPr>
-            <a:r>
-              <a:rPr lang="en-US" dirty="0" smtClean="0"/>
-              <a:t>	? " / \ &lt; &gt; * | :</a:t>
-            </a:r>
-          </a:p>
-          <a:p>
-            <a:r>
-              <a:rPr lang="en-US" dirty="0" smtClean="0"/>
-              <a:t>Currently, from the command line, you can only create file names of up to 253 characters</a:t>
-            </a:r>
-            <a:r>
-              <a:rPr lang="en-US" dirty="0" smtClean="0"/>
-              <a:t>.</a:t>
-            </a:r>
-          </a:p>
-          <a:p>
-            <a:r>
-              <a:rPr lang="en-US" dirty="0"/>
-              <a:t>File names are not case </a:t>
-            </a:r>
-            <a:r>
-              <a:rPr lang="en-US" dirty="0" smtClean="0"/>
-              <a:t>sensitive.</a:t>
-            </a:r>
-            <a:endParaRPr lang="en-US" dirty="0"/>
-          </a:p>
-        </p:txBody>
-      </p:sp>
-    </p:spTree>
-    <p:extLst>
-      <p:ext uri="{BB962C8B-B14F-4D97-AF65-F5344CB8AC3E}">
-        <p14:creationId xmlns:p14="http://schemas.microsoft.com/office/powerpoint/2010/main" val="981009952"/>
-      </p:ext>
-    </p:extLst>
-  </p:cSld>
-  <p:clrMapOvr>
-    <a:masterClrMapping/>
-  </p:clrMapOvr>
-  <p:timing>
-    <p:tnLst>
-      <p:par>
-        <p:cTn id="1" dur="indefinite" restart="never" nodeType="tmRoot"/>
-      </p:par>
-    </p:tnLst>
-  </p:timing>
-</p:sld>
-</file>
-
-<file path=ppt/slides/slide12.xml><?xml version="1.0" encoding="utf-8"?>
-<p:sld xmlns:a="http://schemas.openxmlformats.org/drawingml/2006/main" xmlns:r="http://schemas.openxmlformats.org/officeDocument/2006/relationships" xmlns:p="http://schemas.openxmlformats.org/presentationml/2006/main">
-  <p:cSld>
-    <p:spTree>
-      <p:nvGrpSpPr>
-        <p:cNvPr id="1" name=""/>
-        <p:cNvGrpSpPr/>
-        <p:nvPr/>
-      </p:nvGrpSpPr>
-      <p:grpSpPr>
-        <a:xfrm>
-          <a:off x="0" y="0"/>
-          <a:ext cx="0" cy="0"/>
-          <a:chOff x="0" y="0"/>
-          <a:chExt cx="0" cy="0"/>
-        </a:xfrm>
-      </p:grpSpPr>
-      <p:sp>
-        <p:nvSpPr>
-          <p:cNvPr id="2" name="Title 1"/>
-          <p:cNvSpPr>
-            <a:spLocks noGrp="1"/>
-          </p:cNvSpPr>
-          <p:nvPr>
-            <p:ph type="title"/>
-          </p:nvPr>
-        </p:nvSpPr>
-        <p:spPr/>
-        <p:txBody>
-          <a:bodyPr/>
-          <a:lstStyle/>
-          <a:p>
-            <a:pPr algn="ctr"/>
-            <a:r>
-              <a:rPr lang="en-US" b="1" dirty="0" smtClean="0"/>
-              <a:t>Advantages</a:t>
-            </a:r>
-            <a:endParaRPr lang="en-US" dirty="0"/>
-          </a:p>
-        </p:txBody>
-      </p:sp>
-      <p:sp>
-        <p:nvSpPr>
-          <p:cNvPr id="3" name="Content Placeholder 2"/>
-          <p:cNvSpPr>
-            <a:spLocks noGrp="1"/>
-          </p:cNvSpPr>
-          <p:nvPr>
-            <p:ph idx="1"/>
-          </p:nvPr>
-        </p:nvSpPr>
-        <p:spPr/>
-        <p:txBody>
-          <a:bodyPr/>
-          <a:lstStyle/>
-          <a:p>
-            <a:r>
-              <a:rPr lang="en-US" dirty="0" smtClean="0"/>
-              <a:t>It is best for use on volumes of about 400 MB or more. This is because performance does not degrade under NTFS, as it does under FAT, with larger volume sizes.</a:t>
-            </a:r>
-          </a:p>
-          <a:p>
-            <a:r>
-              <a:rPr lang="en-US" dirty="0" smtClean="0"/>
-              <a:t>The </a:t>
-            </a:r>
-            <a:r>
-              <a:rPr lang="en-US" dirty="0" smtClean="0"/>
-              <a:t>recoverability </a:t>
-            </a:r>
-            <a:r>
-              <a:rPr lang="en-US" dirty="0" smtClean="0"/>
-              <a:t>designed into NTFS is such that a user should never have to run any sort of disk repair utility on an NTFS partition.</a:t>
-            </a:r>
-          </a:p>
-          <a:p>
-            <a:endParaRPr lang="en-US" dirty="0"/>
-          </a:p>
-        </p:txBody>
-      </p:sp>
-    </p:spTree>
-    <p:extLst>
-      <p:ext uri="{BB962C8B-B14F-4D97-AF65-F5344CB8AC3E}">
-        <p14:creationId xmlns:p14="http://schemas.microsoft.com/office/powerpoint/2010/main" val="3476056218"/>
-      </p:ext>
-    </p:extLst>
-  </p:cSld>
-  <p:clrMapOvr>
-    <a:masterClrMapping/>
-  </p:clrMapOvr>
-  <p:timing>
-    <p:tnLst>
-      <p:par>
-        <p:cTn id="1" dur="indefinite" restart="never" nodeType="tmRoot"/>
-      </p:par>
-    </p:tnLst>
-  </p:timing>
-</p:sld>
-</file>
-
-<file path=ppt/slides/slide13.xml><?xml version="1.0" encoding="utf-8"?>
-<p:sld xmlns:a="http://schemas.openxmlformats.org/drawingml/2006/main" xmlns:r="http://schemas.openxmlformats.org/officeDocument/2006/relationships" xmlns:p="http://schemas.openxmlformats.org/presentationml/2006/main">
-  <p:cSld>
-    <p:spTree>
-      <p:nvGrpSpPr>
-        <p:cNvPr id="1" name=""/>
-        <p:cNvGrpSpPr/>
-        <p:nvPr/>
-      </p:nvGrpSpPr>
-      <p:grpSpPr>
-        <a:xfrm>
-          <a:off x="0" y="0"/>
-          <a:ext cx="0" cy="0"/>
-          <a:chOff x="0" y="0"/>
-          <a:chExt cx="0" cy="0"/>
-        </a:xfrm>
-      </p:grpSpPr>
-      <p:sp>
-        <p:nvSpPr>
-          <p:cNvPr id="2" name="Title 1"/>
-          <p:cNvSpPr>
-            <a:spLocks noGrp="1"/>
-          </p:cNvSpPr>
-          <p:nvPr>
-            <p:ph type="title"/>
-          </p:nvPr>
-        </p:nvSpPr>
-        <p:spPr/>
-        <p:txBody>
-          <a:bodyPr/>
-          <a:lstStyle/>
-          <a:p>
-            <a:pPr algn="ctr"/>
-            <a:r>
-              <a:rPr lang="en-US" b="1" dirty="0" smtClean="0"/>
-              <a:t>Disadvantages</a:t>
-            </a:r>
-            <a:endParaRPr lang="en-US" dirty="0"/>
-          </a:p>
-        </p:txBody>
-      </p:sp>
-      <p:sp>
-        <p:nvSpPr>
-          <p:cNvPr id="3" name="Content Placeholder 2"/>
-          <p:cNvSpPr>
-            <a:spLocks noGrp="1"/>
-          </p:cNvSpPr>
-          <p:nvPr>
-            <p:ph idx="1"/>
-          </p:nvPr>
-        </p:nvSpPr>
-        <p:spPr/>
-        <p:txBody>
-          <a:bodyPr>
-            <a:normAutofit fontScale="92500"/>
-          </a:bodyPr>
-          <a:lstStyle/>
-          <a:p>
-            <a:r>
-              <a:rPr lang="en-US" dirty="0" smtClean="0"/>
-              <a:t>It is not recommended to use NTFS on a volume that is smaller than approximately 400 MB, because of the amount of space overhead involved in NTFS. This space overhead is in the form of NTFS system files that typically use at least 4 MB of drive space on a 100 MB partition.</a:t>
-            </a:r>
-          </a:p>
-          <a:p>
-            <a:r>
-              <a:rPr lang="en-US" dirty="0" smtClean="0"/>
-              <a:t>Currently, there is no file </a:t>
-            </a:r>
-            <a:r>
-              <a:rPr lang="en-US" dirty="0"/>
-              <a:t>encryption</a:t>
-            </a:r>
-            <a:r>
-              <a:rPr lang="en-US" dirty="0" smtClean="0"/>
-              <a:t> built into NTFS. Therefore, someone can boot under MS-DOS, or another operating system, and use a low-level disk editing utility to view data stored on an NTFS volume.</a:t>
-            </a:r>
-          </a:p>
-          <a:p>
-            <a:r>
-              <a:rPr lang="en-US" dirty="0" smtClean="0"/>
-              <a:t>It is not possible to format a floppy disk with the NTFS file system; Windows NT formats all floppy disks with the FAT file system because the overhead involved in NTFS will not fit onto a floppy disk.</a:t>
-            </a:r>
-          </a:p>
-          <a:p>
-            <a:endParaRPr lang="en-US" dirty="0"/>
-          </a:p>
-        </p:txBody>
-      </p:sp>
-    </p:spTree>
-    <p:extLst>
-      <p:ext uri="{BB962C8B-B14F-4D97-AF65-F5344CB8AC3E}">
-        <p14:creationId xmlns:p14="http://schemas.microsoft.com/office/powerpoint/2010/main" val="1119984887"/>
-      </p:ext>
-    </p:extLst>
-  </p:cSld>
-  <p:clrMapOvr>
-    <a:masterClrMapping/>
-  </p:clrMapOvr>
-  <p:timing>
-    <p:tnLst>
-      <p:par>
-        <p:cTn id="1" dur="indefinite" restart="never" nodeType="tmRoot"/>
-      </p:par>
-    </p:tnLst>
-  </p:timing>
-</p:sld>
-</file>
-
-<file path=ppt/slides/slide14.xml><?xml version="1.0" encoding="utf-8"?>
-<p:sld xmlns:a="http://schemas.openxmlformats.org/drawingml/2006/main" xmlns:r="http://schemas.openxmlformats.org/officeDocument/2006/relationships" xmlns:p="http://schemas.openxmlformats.org/presentationml/2006/main">
-  <p:cSld>
-    <p:spTree>
-      <p:nvGrpSpPr>
-        <p:cNvPr id="1" name=""/>
-        <p:cNvGrpSpPr/>
-        <p:nvPr/>
-      </p:nvGrpSpPr>
-      <p:grpSpPr>
-        <a:xfrm>
-          <a:off x="0" y="0"/>
-          <a:ext cx="0" cy="0"/>
-          <a:chOff x="0" y="0"/>
-          <a:chExt cx="0" cy="0"/>
-        </a:xfrm>
-      </p:grpSpPr>
-      <p:sp>
-        <p:nvSpPr>
-          <p:cNvPr id="2" name="Title 1"/>
-          <p:cNvSpPr>
-            <a:spLocks noGrp="1"/>
-          </p:cNvSpPr>
-          <p:nvPr>
-            <p:ph type="title"/>
-          </p:nvPr>
-        </p:nvSpPr>
-        <p:spPr/>
-        <p:txBody>
-          <a:bodyPr/>
-          <a:lstStyle/>
-          <a:p>
-            <a:pPr algn="ctr"/>
-            <a:r>
-              <a:rPr lang="en-US" b="1" dirty="0" smtClean="0">
+              <a:rPr lang="en-US" dirty="0" smtClean="0">
                 <a:effectLst/>
               </a:rPr>
-              <a:t>Comparison </a:t>
-            </a:r>
-            <a:r>
-              <a:rPr lang="en-US" b="1" dirty="0" smtClean="0"/>
-              <a:t>between NTFS and FAT</a:t>
+              <a:t>File attributes are pieces of information associated with every file and directory that includes additional data about the file itself or its contents. </a:t>
+            </a:r>
+          </a:p>
+          <a:p>
+            <a:r>
+              <a:rPr lang="en-US" dirty="0" smtClean="0">
+                <a:effectLst/>
+              </a:rPr>
+              <a:t>Below are the common attributes and the bits that represent them: </a:t>
             </a:r>
             <a:endParaRPr lang="en-US" dirty="0"/>
           </a:p>
@@ -3638,34 +3039,31 @@
       </p:sp>
       <p:graphicFrame>
         <p:nvGraphicFramePr>
-          <p:cNvPr id="4" name="Content Placeholder 3"/>
+          <p:cNvPr id="4" name="Table 3"/>
           <p:cNvGraphicFramePr>
             <a:graphicFrameLocks noGrp="1"/>
           </p:cNvGraphicFramePr>
           <p:nvPr>
-            <p:ph idx="1"/>
             <p:extLst>
               <p:ext uri="{D42A27DB-BD31-4B8C-83A1-F6EECF244321}">
-                <p14:modId xmlns:p14="http://schemas.microsoft.com/office/powerpoint/2010/main" val="2871285184"/>
+                <p14:modId xmlns:p14="http://schemas.microsoft.com/office/powerpoint/2010/main" val="1552788761"/>
               </p:ext>
             </p:extLst>
           </p:nvPr>
         </p:nvGraphicFramePr>
         <p:xfrm>
-          <a:off x="838200" y="1825625"/>
-          <a:ext cx="10515600" cy="2966720"/>
+          <a:off x="4179612" y="3689129"/>
+          <a:ext cx="2905125" cy="2861310"/>
         </p:xfrm>
         <a:graphic>
           <a:graphicData uri="http://schemas.openxmlformats.org/drawingml/2006/table">
             <a:tbl>
-              <a:tblPr firstRow="1" bandRow="1">
-                <a:tableStyleId>{5C22544A-7EE6-4342-B048-85BDC9FD1C3A}</a:tableStyleId>
-              </a:tblPr>
+              <a:tblPr/>
               <a:tblGrid>
-                <a:gridCol w="5257800"/>
-                <a:gridCol w="5257800"/>
+                <a:gridCol w="1590675"/>
+                <a:gridCol w="1314450"/>
               </a:tblGrid>
-              <a:tr h="370840">
+              <a:tr h="0">
                 <a:tc>
                   <a:txBody>
                     <a:bodyPr/>
@@ -3673,13 +3071,29 @@
                     <a:p>
                       <a:pPr algn="ctr"/>
                       <a:r>
-                        <a:rPr lang="en-US" dirty="0" smtClean="0"/>
-                        <a:t>NTFS</a:t>
+                        <a:rPr lang="en-US" b="1"/>
+                        <a:t>Attribute</a:t>
                       </a:r>
-                      <a:endParaRPr lang="en-US" dirty="0"/>
+                      <a:endParaRPr lang="en-US"/>
                     </a:p>
                   </a:txBody>
-                  <a:tcPr/>
+                  <a:tcPr marL="47625" marR="47625" marT="47625" marB="47625">
+                    <a:lnL>
+                      <a:noFill/>
+                    </a:lnL>
+                    <a:lnR>
+                      <a:noFill/>
+                    </a:lnR>
+                    <a:lnT>
+                      <a:noFill/>
+                    </a:lnT>
+                    <a:lnB>
+                      <a:noFill/>
+                    </a:lnB>
+                    <a:solidFill>
+                      <a:srgbClr val="70AD47"/>
+                    </a:solidFill>
+                  </a:tcPr>
                 </a:tc>
                 <a:tc>
                   <a:txBody>
@@ -3688,1051 +3102,413 @@
                     <a:p>
                       <a:pPr algn="ctr"/>
                       <a:r>
-                        <a:rPr lang="en-US" dirty="0" smtClean="0"/>
-                        <a:t>FAT</a:t>
+                        <a:rPr lang="en-US" b="1"/>
+                        <a:t>Bit Value</a:t>
                       </a:r>
-                      <a:endParaRPr lang="en-US" dirty="0"/>
+                      <a:endParaRPr lang="en-US"/>
                     </a:p>
                   </a:txBody>
-                  <a:tcPr/>
+                  <a:tcPr marL="47625" marR="47625" marT="47625" marB="47625">
+                    <a:lnL>
+                      <a:noFill/>
+                    </a:lnL>
+                    <a:lnR>
+                      <a:noFill/>
+                    </a:lnR>
+                    <a:lnT>
+                      <a:noFill/>
+                    </a:lnT>
+                    <a:lnB>
+                      <a:noFill/>
+                    </a:lnB>
+                    <a:solidFill>
+                      <a:srgbClr val="70AD47"/>
+                    </a:solidFill>
+                  </a:tcPr>
                 </a:tc>
               </a:tr>
-              <a:tr h="370840">
+              <a:tr h="0">
                 <a:tc>
                   <a:txBody>
                     <a:bodyPr/>
                     <a:lstStyle/>
                     <a:p>
-                      <a:endParaRPr lang="en-US" dirty="0"/>
+                      <a:pPr algn="ctr"/>
+                      <a:r>
+                        <a:rPr lang="en-US" b="1"/>
+                        <a:t>Read-Only (R)</a:t>
+                      </a:r>
+                      <a:endParaRPr lang="en-US"/>
                     </a:p>
                   </a:txBody>
-                  <a:tcPr/>
+                  <a:tcPr marL="47625" marR="47625" marT="47625" marB="47625">
+                    <a:lnL>
+                      <a:noFill/>
+                    </a:lnL>
+                    <a:lnR>
+                      <a:noFill/>
+                    </a:lnR>
+                    <a:lnT>
+                      <a:noFill/>
+                    </a:lnT>
+                    <a:lnB>
+                      <a:noFill/>
+                    </a:lnB>
+                    <a:solidFill>
+                      <a:srgbClr val="FFFFFF"/>
+                    </a:solidFill>
+                  </a:tcPr>
                 </a:tc>
                 <a:tc>
                   <a:txBody>
                     <a:bodyPr/>
                     <a:lstStyle/>
                     <a:p>
-                      <a:endParaRPr lang="en-US"/>
+                      <a:pPr algn="ctr"/>
+                      <a:r>
+                        <a:rPr lang="en-US"/>
+                        <a:t>00000001</a:t>
+                      </a:r>
                     </a:p>
                   </a:txBody>
-                  <a:tcPr/>
+                  <a:tcPr marL="47625" marR="47625" marT="47625" marB="47625">
+                    <a:lnL>
+                      <a:noFill/>
+                    </a:lnL>
+                    <a:lnR>
+                      <a:noFill/>
+                    </a:lnR>
+                    <a:lnT>
+                      <a:noFill/>
+                    </a:lnT>
+                    <a:lnB>
+                      <a:noFill/>
+                    </a:lnB>
+                    <a:solidFill>
+                      <a:srgbClr val="FFFFFF"/>
+                    </a:solidFill>
+                  </a:tcPr>
                 </a:tc>
               </a:tr>
-              <a:tr h="370840">
+              <a:tr h="0">
                 <a:tc>
                   <a:txBody>
                     <a:bodyPr/>
                     <a:lstStyle/>
                     <a:p>
+                      <a:pPr algn="ctr"/>
+                      <a:r>
+                        <a:rPr lang="en-US" b="1"/>
+                        <a:t>Hidden (H)</a:t>
+                      </a:r>
                       <a:endParaRPr lang="en-US"/>
                     </a:p>
                   </a:txBody>
-                  <a:tcPr/>
+                  <a:tcPr marL="47625" marR="47625" marT="47625" marB="47625">
+                    <a:lnL>
+                      <a:noFill/>
+                    </a:lnL>
+                    <a:lnR>
+                      <a:noFill/>
+                    </a:lnR>
+                    <a:lnT>
+                      <a:noFill/>
+                    </a:lnT>
+                    <a:lnB>
+                      <a:noFill/>
+                    </a:lnB>
+                    <a:solidFill>
+                      <a:srgbClr val="E2EFD9"/>
+                    </a:solidFill>
+                  </a:tcPr>
                 </a:tc>
                 <a:tc>
                   <a:txBody>
                     <a:bodyPr/>
                     <a:lstStyle/>
                     <a:p>
-                      <a:endParaRPr lang="en-US"/>
+                      <a:pPr algn="ctr"/>
+                      <a:r>
+                        <a:rPr lang="en-US"/>
+                        <a:t>00000010</a:t>
+                      </a:r>
                     </a:p>
                   </a:txBody>
-                  <a:tcPr/>
+                  <a:tcPr marL="47625" marR="47625" marT="47625" marB="47625">
+                    <a:lnL>
+                      <a:noFill/>
+                    </a:lnL>
+                    <a:lnR>
+                      <a:noFill/>
+                    </a:lnR>
+                    <a:lnT>
+                      <a:noFill/>
+                    </a:lnT>
+                    <a:lnB>
+                      <a:noFill/>
+                    </a:lnB>
+                    <a:solidFill>
+                      <a:srgbClr val="E2EFD9"/>
+                    </a:solidFill>
+                  </a:tcPr>
                 </a:tc>
               </a:tr>
-              <a:tr h="370840">
+              <a:tr h="0">
                 <a:tc>
                   <a:txBody>
                     <a:bodyPr/>
                     <a:lstStyle/>
                     <a:p>
+                      <a:pPr algn="ctr"/>
+                      <a:r>
+                        <a:rPr lang="en-US" b="1"/>
+                        <a:t>System (S)</a:t>
+                      </a:r>
                       <a:endParaRPr lang="en-US"/>
                     </a:p>
                   </a:txBody>
-                  <a:tcPr/>
+                  <a:tcPr marL="47625" marR="47625" marT="47625" marB="47625">
+                    <a:lnL>
+                      <a:noFill/>
+                    </a:lnL>
+                    <a:lnR>
+                      <a:noFill/>
+                    </a:lnR>
+                    <a:lnT>
+                      <a:noFill/>
+                    </a:lnT>
+                    <a:lnB>
+                      <a:noFill/>
+                    </a:lnB>
+                    <a:solidFill>
+                      <a:srgbClr val="FFFFFF"/>
+                    </a:solidFill>
+                  </a:tcPr>
                 </a:tc>
                 <a:tc>
                   <a:txBody>
                     <a:bodyPr/>
                     <a:lstStyle/>
                     <a:p>
-                      <a:endParaRPr lang="en-US"/>
+                      <a:pPr algn="ctr"/>
+                      <a:r>
+                        <a:rPr lang="en-US"/>
+                        <a:t>00000100</a:t>
+                      </a:r>
                     </a:p>
                   </a:txBody>
-                  <a:tcPr/>
+                  <a:tcPr marL="47625" marR="47625" marT="47625" marB="47625">
+                    <a:lnL>
+                      <a:noFill/>
+                    </a:lnL>
+                    <a:lnR>
+                      <a:noFill/>
+                    </a:lnR>
+                    <a:lnT>
+                      <a:noFill/>
+                    </a:lnT>
+                    <a:lnB>
+                      <a:noFill/>
+                    </a:lnB>
+                    <a:solidFill>
+                      <a:srgbClr val="FFFFFF"/>
+                    </a:solidFill>
+                  </a:tcPr>
                 </a:tc>
               </a:tr>
-              <a:tr h="370840">
+              <a:tr h="0">
                 <a:tc>
                   <a:txBody>
                     <a:bodyPr/>
                     <a:lstStyle/>
                     <a:p>
+                      <a:pPr algn="ctr"/>
+                      <a:r>
+                        <a:rPr lang="en-US" b="1"/>
+                        <a:t>Directory (D)</a:t>
+                      </a:r>
                       <a:endParaRPr lang="en-US"/>
                     </a:p>
                   </a:txBody>
-                  <a:tcPr/>
+                  <a:tcPr marL="47625" marR="47625" marT="47625" marB="47625">
+                    <a:lnL>
+                      <a:noFill/>
+                    </a:lnL>
+                    <a:lnR>
+                      <a:noFill/>
+                    </a:lnR>
+                    <a:lnT>
+                      <a:noFill/>
+                    </a:lnT>
+                    <a:lnB>
+                      <a:noFill/>
+                    </a:lnB>
+                    <a:solidFill>
+                      <a:srgbClr val="E2EFD9"/>
+                    </a:solidFill>
+                  </a:tcPr>
                 </a:tc>
                 <a:tc>
                   <a:txBody>
                     <a:bodyPr/>
                     <a:lstStyle/>
                     <a:p>
-                      <a:endParaRPr lang="en-US"/>
+                      <a:pPr algn="ctr"/>
+                      <a:r>
+                        <a:rPr lang="en-US"/>
+                        <a:t>00010000</a:t>
+                      </a:r>
                     </a:p>
                   </a:txBody>
-                  <a:tcPr/>
+                  <a:tcPr marL="47625" marR="47625" marT="47625" marB="47625">
+                    <a:lnL>
+                      <a:noFill/>
+                    </a:lnL>
+                    <a:lnR>
+                      <a:noFill/>
+                    </a:lnR>
+                    <a:lnT>
+                      <a:noFill/>
+                    </a:lnT>
+                    <a:lnB>
+                      <a:noFill/>
+                    </a:lnB>
+                    <a:solidFill>
+                      <a:srgbClr val="E2EFD9"/>
+                    </a:solidFill>
+                  </a:tcPr>
                 </a:tc>
               </a:tr>
-              <a:tr h="370840">
+              <a:tr h="0">
                 <a:tc>
                   <a:txBody>
                     <a:bodyPr/>
                     <a:lstStyle/>
                     <a:p>
+                      <a:pPr algn="ctr"/>
+                      <a:r>
+                        <a:rPr lang="en-US" b="1"/>
+                        <a:t>Archive (A)</a:t>
+                      </a:r>
                       <a:endParaRPr lang="en-US"/>
                     </a:p>
                   </a:txBody>
-                  <a:tcPr/>
+                  <a:tcPr marL="47625" marR="47625" marT="47625" marB="47625">
+                    <a:lnL>
+                      <a:noFill/>
+                    </a:lnL>
+                    <a:lnR>
+                      <a:noFill/>
+                    </a:lnR>
+                    <a:lnT>
+                      <a:noFill/>
+                    </a:lnT>
+                    <a:lnB>
+                      <a:noFill/>
+                    </a:lnB>
+                    <a:solidFill>
+                      <a:srgbClr val="FFFFFF"/>
+                    </a:solidFill>
+                  </a:tcPr>
                 </a:tc>
                 <a:tc>
                   <a:txBody>
                     <a:bodyPr/>
                     <a:lstStyle/>
                     <a:p>
-                      <a:endParaRPr lang="en-US"/>
+                      <a:pPr algn="ctr"/>
+                      <a:r>
+                        <a:rPr lang="en-US"/>
+                        <a:t>00100000</a:t>
+                      </a:r>
                     </a:p>
                   </a:txBody>
-                  <a:tcPr/>
+                  <a:tcPr marL="47625" marR="47625" marT="47625" marB="47625">
+                    <a:lnL>
+                      <a:noFill/>
+                    </a:lnL>
+                    <a:lnR>
+                      <a:noFill/>
+                    </a:lnR>
+                    <a:lnT>
+                      <a:noFill/>
+                    </a:lnT>
+                    <a:lnB>
+                      <a:noFill/>
+                    </a:lnB>
+                    <a:solidFill>
+                      <a:srgbClr val="FFFFFF"/>
+                    </a:solidFill>
+                  </a:tcPr>
                 </a:tc>
               </a:tr>
-              <a:tr h="370840">
+              <a:tr h="0">
                 <a:tc>
                   <a:txBody>
                     <a:bodyPr/>
                     <a:lstStyle/>
                     <a:p>
+                      <a:pPr algn="ctr"/>
+                      <a:r>
+                        <a:rPr lang="en-US" b="1"/>
+                        <a:t>Not Content Indexed (I)</a:t>
+                      </a:r>
                       <a:endParaRPr lang="en-US"/>
                     </a:p>
                   </a:txBody>
-                  <a:tcPr/>
+                  <a:tcPr marL="47625" marR="47625" marT="47625" marB="47625">
+                    <a:lnL>
+                      <a:noFill/>
+                    </a:lnL>
+                    <a:lnR>
+                      <a:noFill/>
+                    </a:lnR>
+                    <a:lnT>
+                      <a:noFill/>
+                    </a:lnT>
+                    <a:lnB>
+                      <a:noFill/>
+                    </a:lnB>
+                    <a:solidFill>
+                      <a:srgbClr val="E2EFD9"/>
+                    </a:solidFill>
+                  </a:tcPr>
                 </a:tc>
                 <a:tc>
                   <a:txBody>
                     <a:bodyPr/>
                     <a:lstStyle/>
                     <a:p>
-                      <a:endParaRPr lang="en-US"/>
+                      <a:pPr algn="ctr"/>
+                      <a:r>
+                        <a:rPr lang="en-US" dirty="0"/>
+                        <a:t>10000000000000</a:t>
+                      </a:r>
                     </a:p>
                   </a:txBody>
-                  <a:tcPr/>
-                </a:tc>
-              </a:tr>
-              <a:tr h="370840">
-                <a:tc>
-                  <a:txBody>
-                    <a:bodyPr/>
-                    <a:lstStyle/>
-                    <a:p>
-                      <a:endParaRPr lang="en-US"/>
-                    </a:p>
-                  </a:txBody>
-                  <a:tcPr/>
-                </a:tc>
-                <a:tc>
-                  <a:txBody>
-                    <a:bodyPr/>
-                    <a:lstStyle/>
-                    <a:p>
-                      <a:endParaRPr lang="en-US" dirty="0"/>
-                    </a:p>
-                  </a:txBody>
-                  <a:tcPr/>
+                  <a:tcPr marL="47625" marR="47625" marT="47625" marB="47625">
+                    <a:lnL>
+                      <a:noFill/>
+                    </a:lnL>
+                    <a:lnR>
+                      <a:noFill/>
+                    </a:lnR>
+                    <a:lnT>
+                      <a:noFill/>
+                    </a:lnT>
+                    <a:lnB>
+                      <a:noFill/>
+                    </a:lnB>
+                    <a:solidFill>
+                      <a:srgbClr val="E2EFD9"/>
+                    </a:solidFill>
+                  </a:tcPr>
                 </a:tc>
               </a:tr>
             </a:tbl>
           </a:graphicData>
         </a:graphic>
       </p:graphicFrame>
-    </p:spTree>
-    <p:extLst>
-      <p:ext uri="{BB962C8B-B14F-4D97-AF65-F5344CB8AC3E}">
-        <p14:creationId xmlns:p14="http://schemas.microsoft.com/office/powerpoint/2010/main" val="3716339658"/>
-      </p:ext>
-    </p:extLst>
-  </p:cSld>
-  <p:clrMapOvr>
-    <a:masterClrMapping/>
-  </p:clrMapOvr>
-  <p:timing>
-    <p:tnLst>
-      <p:par>
-        <p:cTn id="1" dur="indefinite" restart="never" nodeType="tmRoot"/>
-      </p:par>
-    </p:tnLst>
-  </p:timing>
-</p:sld>
-</file>
-
-<file path=ppt/slides/slide15.xml><?xml version="1.0" encoding="utf-8"?>
-<p:sld xmlns:a="http://schemas.openxmlformats.org/drawingml/2006/main" xmlns:r="http://schemas.openxmlformats.org/officeDocument/2006/relationships" xmlns:p="http://schemas.openxmlformats.org/presentationml/2006/main">
-  <p:cSld>
-    <p:spTree>
-      <p:nvGrpSpPr>
-        <p:cNvPr id="1" name=""/>
-        <p:cNvGrpSpPr/>
-        <p:nvPr/>
-      </p:nvGrpSpPr>
-      <p:grpSpPr>
-        <a:xfrm>
-          <a:off x="0" y="0"/>
-          <a:ext cx="0" cy="0"/>
-          <a:chOff x="0" y="0"/>
-          <a:chExt cx="0" cy="0"/>
-        </a:xfrm>
-      </p:grpSpPr>
-      <p:sp>
-        <p:nvSpPr>
-          <p:cNvPr id="2" name="Title 1"/>
-          <p:cNvSpPr>
-            <a:spLocks noGrp="1"/>
-          </p:cNvSpPr>
-          <p:nvPr>
-            <p:ph type="title"/>
-          </p:nvPr>
-        </p:nvSpPr>
-        <p:spPr/>
-        <p:txBody>
-          <a:bodyPr/>
-          <a:lstStyle/>
-          <a:p>
-            <a:pPr algn="ctr"/>
-            <a:r>
-              <a:rPr lang="en-US" dirty="0" smtClean="0"/>
-              <a:t>File-System-Driver</a:t>
-            </a:r>
-            <a:endParaRPr lang="en-US" dirty="0"/>
-          </a:p>
-        </p:txBody>
-      </p:sp>
-      <p:sp>
-        <p:nvSpPr>
-          <p:cNvPr id="3" name="Content Placeholder 2"/>
-          <p:cNvSpPr>
-            <a:spLocks noGrp="1"/>
-          </p:cNvSpPr>
-          <p:nvPr>
-            <p:ph idx="1"/>
-          </p:nvPr>
-        </p:nvSpPr>
-        <p:spPr/>
-        <p:txBody>
-          <a:bodyPr>
-            <a:normAutofit lnSpcReduction="10000"/>
-          </a:bodyPr>
-          <a:lstStyle/>
-          <a:p>
-            <a:r>
-              <a:rPr lang="en-US" dirty="0"/>
-              <a:t>In most situations, developing a full file system driver is not necessary. First consider developing a </a:t>
-            </a:r>
-            <a:r>
-              <a:rPr lang="en-US" dirty="0" smtClean="0"/>
-              <a:t>file </a:t>
-            </a:r>
-            <a:r>
-              <a:rPr lang="en-US" dirty="0"/>
-              <a:t>system filter driver or a file system </a:t>
-            </a:r>
-            <a:r>
-              <a:rPr lang="en-US" dirty="0" smtClean="0"/>
-              <a:t>mini filter </a:t>
-            </a:r>
-            <a:r>
-              <a:rPr lang="en-US" dirty="0"/>
-              <a:t>driver.</a:t>
-            </a:r>
-          </a:p>
-          <a:p>
-            <a:r>
-              <a:rPr lang="en-US" dirty="0" smtClean="0"/>
-              <a:t>A </a:t>
-            </a:r>
-            <a:r>
-              <a:rPr lang="en-US" i="1" dirty="0"/>
-              <a:t>file system filter driver</a:t>
-            </a:r>
-            <a:r>
-              <a:rPr lang="en-US" dirty="0"/>
-              <a:t> is an optional driver that adds value to or modifies the behavior of a file system. A file system filter driver is a kernel-mode component that runs as part of the Windows executive.</a:t>
-            </a:r>
-          </a:p>
-          <a:p>
-            <a:r>
-              <a:rPr lang="en-US" dirty="0"/>
-              <a:t>A file system filter driver can filter I/O operations for one or more file systems or file system volumes. Depending on the nature of the driver, </a:t>
-            </a:r>
-            <a:r>
-              <a:rPr lang="en-US" i="1" dirty="0"/>
-              <a:t>filter</a:t>
-            </a:r>
-            <a:r>
-              <a:rPr lang="en-US" dirty="0"/>
-              <a:t> can mean </a:t>
-            </a:r>
-            <a:r>
-              <a:rPr lang="en-US" i="1" dirty="0"/>
-              <a:t>log</a:t>
-            </a:r>
-            <a:r>
-              <a:rPr lang="en-US" dirty="0"/>
-              <a:t>, </a:t>
-            </a:r>
-            <a:r>
-              <a:rPr lang="en-US" i="1" dirty="0"/>
-              <a:t>observe</a:t>
-            </a:r>
-            <a:r>
-              <a:rPr lang="en-US" dirty="0"/>
-              <a:t>, </a:t>
-            </a:r>
-            <a:r>
-              <a:rPr lang="en-US" i="1" dirty="0"/>
-              <a:t>modify</a:t>
-            </a:r>
-            <a:r>
-              <a:rPr lang="en-US" dirty="0"/>
-              <a:t>, or even </a:t>
-            </a:r>
-            <a:r>
-              <a:rPr lang="en-US" i="1" dirty="0"/>
-              <a:t>prevent</a:t>
-            </a:r>
-            <a:r>
-              <a:rPr lang="en-US" dirty="0"/>
-              <a:t>. Typical applications for file system filter drivers include antivirus utilities, encryption programs, and hierarchical storage management systems.</a:t>
-            </a:r>
-          </a:p>
-          <a:p>
-            <a:endParaRPr lang="en-US" dirty="0"/>
-          </a:p>
-        </p:txBody>
-      </p:sp>
-    </p:spTree>
-    <p:extLst>
-      <p:ext uri="{BB962C8B-B14F-4D97-AF65-F5344CB8AC3E}">
-        <p14:creationId xmlns:p14="http://schemas.microsoft.com/office/powerpoint/2010/main" val="2743898891"/>
-      </p:ext>
-    </p:extLst>
-  </p:cSld>
-  <p:clrMapOvr>
-    <a:masterClrMapping/>
-  </p:clrMapOvr>
-  <p:timing>
-    <p:tnLst>
-      <p:par>
-        <p:cTn id="1" dur="indefinite" restart="never" nodeType="tmRoot"/>
-      </p:par>
-    </p:tnLst>
-  </p:timing>
-</p:sld>
-</file>
-
-<file path=ppt/slides/slide16.xml><?xml version="1.0" encoding="utf-8"?>
-<p:sld xmlns:a="http://schemas.openxmlformats.org/drawingml/2006/main" xmlns:r="http://schemas.openxmlformats.org/officeDocument/2006/relationships" xmlns:p="http://schemas.openxmlformats.org/presentationml/2006/main">
-  <p:cSld>
-    <p:spTree>
-      <p:nvGrpSpPr>
-        <p:cNvPr id="1" name=""/>
-        <p:cNvGrpSpPr/>
-        <p:nvPr/>
-      </p:nvGrpSpPr>
-      <p:grpSpPr>
-        <a:xfrm>
-          <a:off x="0" y="0"/>
-          <a:ext cx="0" cy="0"/>
-          <a:chOff x="0" y="0"/>
-          <a:chExt cx="0" cy="0"/>
-        </a:xfrm>
-      </p:grpSpPr>
-      <p:sp>
-        <p:nvSpPr>
-          <p:cNvPr id="2" name="Title 1"/>
-          <p:cNvSpPr>
-            <a:spLocks noGrp="1"/>
-          </p:cNvSpPr>
-          <p:nvPr>
-            <p:ph type="title"/>
-          </p:nvPr>
-        </p:nvSpPr>
-        <p:spPr/>
-        <p:txBody>
-          <a:bodyPr/>
-          <a:lstStyle/>
-          <a:p>
-            <a:pPr algn="ctr"/>
-            <a:r>
-              <a:rPr lang="en-US" dirty="0" smtClean="0"/>
-              <a:t>Conversion of FAT to NTFS</a:t>
-            </a:r>
-            <a:endParaRPr lang="en-US" dirty="0"/>
-          </a:p>
-        </p:txBody>
-      </p:sp>
-      <p:sp>
-        <p:nvSpPr>
-          <p:cNvPr id="3" name="Content Placeholder 2"/>
-          <p:cNvSpPr>
-            <a:spLocks noGrp="1"/>
-          </p:cNvSpPr>
-          <p:nvPr>
-            <p:ph idx="1"/>
-          </p:nvPr>
-        </p:nvSpPr>
-        <p:spPr/>
-        <p:txBody>
-          <a:bodyPr>
-            <a:normAutofit lnSpcReduction="10000"/>
-          </a:bodyPr>
-          <a:lstStyle/>
-          <a:p>
-            <a:pPr marL="0" indent="0">
-              <a:buNone/>
-            </a:pPr>
-            <a:r>
-              <a:rPr lang="en-US" b="1" dirty="0"/>
-              <a:t>FAT 32 to NTFS Conversion </a:t>
-            </a:r>
-            <a:r>
-              <a:rPr lang="en-US" b="1" dirty="0" smtClean="0"/>
-              <a:t>Steps</a:t>
-            </a:r>
-          </a:p>
-          <a:p>
-            <a:pPr marL="514350" indent="-514350">
-              <a:buFont typeface="+mj-lt"/>
-              <a:buAutoNum type="arabicPeriod"/>
-            </a:pPr>
-            <a:r>
-              <a:rPr lang="en-US" dirty="0" smtClean="0">
-                <a:effectLst/>
-              </a:rPr>
-              <a:t>Go to Computer, and note the name of the drive whose file system you wish to convert.</a:t>
-            </a:r>
-          </a:p>
-          <a:p>
-            <a:pPr marL="514350" indent="-514350">
-              <a:buFont typeface="+mj-lt"/>
-              <a:buAutoNum type="arabicPeriod"/>
-            </a:pPr>
-            <a:r>
-              <a:rPr lang="en-US" dirty="0" smtClean="0">
-                <a:effectLst/>
-              </a:rPr>
-              <a:t>Click on Start.</a:t>
-            </a:r>
-          </a:p>
-          <a:p>
-            <a:pPr marL="514350" indent="-514350">
-              <a:buFont typeface="+mj-lt"/>
-              <a:buAutoNum type="arabicPeriod"/>
-            </a:pPr>
-            <a:r>
-              <a:rPr lang="en-US" dirty="0" smtClean="0">
-                <a:effectLst/>
-              </a:rPr>
-              <a:t>Type </a:t>
-            </a:r>
-            <a:r>
-              <a:rPr lang="en-US" b="1" dirty="0" err="1" smtClean="0">
-                <a:effectLst/>
-              </a:rPr>
-              <a:t>cmd</a:t>
-            </a:r>
-            <a:r>
-              <a:rPr lang="en-US" dirty="0" smtClean="0">
-                <a:effectLst/>
-              </a:rPr>
-              <a:t> in the search bar if you use Windows 7, Windows 8, Windows 8.1 or Windows 10. If you use Windows XP, click on Run and then execute </a:t>
-            </a:r>
-            <a:r>
-              <a:rPr lang="en-US" b="1" dirty="0" smtClean="0">
-                <a:effectLst/>
-              </a:rPr>
-              <a:t>cmd</a:t>
-            </a:r>
-            <a:r>
-              <a:rPr lang="en-US" dirty="0" smtClean="0">
-                <a:effectLst/>
-              </a:rPr>
-              <a:t>.</a:t>
-            </a:r>
-          </a:p>
-          <a:p>
-            <a:pPr marL="514350" indent="-514350">
-              <a:buFont typeface="+mj-lt"/>
-              <a:buAutoNum type="arabicPeriod"/>
-            </a:pPr>
-            <a:r>
-              <a:rPr lang="en-US" dirty="0" smtClean="0">
-                <a:effectLst/>
-              </a:rPr>
-              <a:t>Execute "</a:t>
-            </a:r>
-            <a:r>
-              <a:rPr lang="en-US" i="1" dirty="0" err="1" smtClean="0">
-                <a:effectLst/>
-              </a:rPr>
-              <a:t>chkdsk</a:t>
-            </a:r>
-            <a:r>
-              <a:rPr lang="en-US" i="1" dirty="0" smtClean="0">
-                <a:effectLst/>
-              </a:rPr>
-              <a:t> h: /f </a:t>
-            </a:r>
-            <a:r>
-              <a:rPr lang="en-US" dirty="0" smtClean="0">
-                <a:effectLst/>
-              </a:rPr>
-              <a:t>" (without quotes) where H is the letter of the drive to undergo conversion. This checks the drive for errors and fixes them automatically.</a:t>
-            </a:r>
-            <a:endParaRPr lang="en-US" dirty="0"/>
-          </a:p>
-        </p:txBody>
-      </p:sp>
-    </p:spTree>
-    <p:extLst>
-      <p:ext uri="{BB962C8B-B14F-4D97-AF65-F5344CB8AC3E}">
-        <p14:creationId xmlns:p14="http://schemas.microsoft.com/office/powerpoint/2010/main" val="36349328"/>
-      </p:ext>
-    </p:extLst>
-  </p:cSld>
-  <p:clrMapOvr>
-    <a:masterClrMapping/>
-  </p:clrMapOvr>
-  <p:timing>
-    <p:tnLst>
-      <p:par>
-        <p:cTn id="1" dur="indefinite" restart="never" nodeType="tmRoot"/>
-      </p:par>
-    </p:tnLst>
-  </p:timing>
-</p:sld>
-</file>
-
-<file path=ppt/slides/slide17.xml><?xml version="1.0" encoding="utf-8"?>
-<p:sld xmlns:a="http://schemas.openxmlformats.org/drawingml/2006/main" xmlns:r="http://schemas.openxmlformats.org/officeDocument/2006/relationships" xmlns:p="http://schemas.openxmlformats.org/presentationml/2006/main">
-  <p:cSld>
-    <p:spTree>
-      <p:nvGrpSpPr>
-        <p:cNvPr id="1" name=""/>
-        <p:cNvGrpSpPr/>
-        <p:nvPr/>
-      </p:nvGrpSpPr>
-      <p:grpSpPr>
-        <a:xfrm>
-          <a:off x="0" y="0"/>
-          <a:ext cx="0" cy="0"/>
-          <a:chOff x="0" y="0"/>
-          <a:chExt cx="0" cy="0"/>
-        </a:xfrm>
-      </p:grpSpPr>
-      <p:sp>
-        <p:nvSpPr>
-          <p:cNvPr id="2" name="Title 1"/>
-          <p:cNvSpPr>
-            <a:spLocks noGrp="1"/>
-          </p:cNvSpPr>
-          <p:nvPr>
-            <p:ph type="title"/>
-          </p:nvPr>
-        </p:nvSpPr>
-        <p:spPr/>
-        <p:txBody>
-          <a:bodyPr/>
-          <a:lstStyle/>
-          <a:p>
-            <a:r>
-              <a:rPr lang="en-US" dirty="0" smtClean="0"/>
-              <a:t>Contd.</a:t>
-            </a:r>
-            <a:endParaRPr lang="en-US" dirty="0"/>
-          </a:p>
-        </p:txBody>
-      </p:sp>
-      <p:sp>
-        <p:nvSpPr>
-          <p:cNvPr id="3" name="Content Placeholder 2"/>
-          <p:cNvSpPr>
-            <a:spLocks noGrp="1"/>
-          </p:cNvSpPr>
-          <p:nvPr>
-            <p:ph idx="1"/>
-          </p:nvPr>
-        </p:nvSpPr>
-        <p:spPr/>
-        <p:txBody>
-          <a:bodyPr/>
-          <a:lstStyle/>
-          <a:p>
-            <a:pPr marL="514350" indent="-514350">
-              <a:buFont typeface="+mj-lt"/>
-              <a:buAutoNum type="arabicPeriod" startAt="5"/>
-            </a:pPr>
-            <a:r>
-              <a:rPr lang="en-US" dirty="0" smtClean="0">
-                <a:effectLst/>
-              </a:rPr>
-              <a:t>Execute "</a:t>
-            </a:r>
-            <a:r>
-              <a:rPr lang="en-US" i="1" dirty="0" smtClean="0">
-                <a:effectLst/>
-              </a:rPr>
-              <a:t>Convert H: /FS:NTFS</a:t>
-            </a:r>
-            <a:r>
-              <a:rPr lang="en-US" dirty="0" smtClean="0">
-                <a:effectLst/>
-              </a:rPr>
-              <a:t>" (without quotes). H is again the letter of the drive to be converted.</a:t>
-            </a:r>
-          </a:p>
-          <a:p>
-            <a:pPr marL="514350" indent="-514350">
-              <a:buFont typeface="+mj-lt"/>
-              <a:buAutoNum type="arabicPeriod" startAt="5"/>
-            </a:pPr>
-            <a:r>
-              <a:rPr lang="en-US" dirty="0" smtClean="0">
-                <a:effectLst/>
-              </a:rPr>
-              <a:t>The command prompt will start the conversion process and after a few minutes, CMD will say that conversion was successful.</a:t>
-            </a:r>
-          </a:p>
-          <a:p>
-            <a:pPr marL="514350" indent="-514350">
-              <a:buFont typeface="+mj-lt"/>
-              <a:buAutoNum type="arabicPeriod" startAt="5"/>
-            </a:pPr>
-            <a:r>
-              <a:rPr lang="en-US" dirty="0" smtClean="0">
-                <a:effectLst/>
-              </a:rPr>
-              <a:t>You can check it in the properties of the drive through right click&lt;Properties.</a:t>
-            </a:r>
-            <a:endParaRPr lang="en-US" dirty="0"/>
-          </a:p>
-        </p:txBody>
-      </p:sp>
-    </p:spTree>
-    <p:extLst>
-      <p:ext uri="{BB962C8B-B14F-4D97-AF65-F5344CB8AC3E}">
-        <p14:creationId xmlns:p14="http://schemas.microsoft.com/office/powerpoint/2010/main" val="4105096508"/>
-      </p:ext>
-    </p:extLst>
-  </p:cSld>
-  <p:clrMapOvr>
-    <a:masterClrMapping/>
-  </p:clrMapOvr>
-  <p:timing>
-    <p:tnLst>
-      <p:par>
-        <p:cTn id="1" dur="indefinite" restart="never" nodeType="tmRoot"/>
-      </p:par>
-    </p:tnLst>
-  </p:timing>
-</p:sld>
-</file>
-
-<file path=ppt/slides/slide2.xml><?xml version="1.0" encoding="utf-8"?>
-<p:sld xmlns:a="http://schemas.openxmlformats.org/drawingml/2006/main" xmlns:r="http://schemas.openxmlformats.org/officeDocument/2006/relationships" xmlns:p="http://schemas.openxmlformats.org/presentationml/2006/main">
-  <p:cSld>
-    <p:spTree>
-      <p:nvGrpSpPr>
-        <p:cNvPr id="1" name=""/>
-        <p:cNvGrpSpPr/>
-        <p:nvPr/>
-      </p:nvGrpSpPr>
-      <p:grpSpPr>
-        <a:xfrm>
-          <a:off x="0" y="0"/>
-          <a:ext cx="0" cy="0"/>
-          <a:chOff x="0" y="0"/>
-          <a:chExt cx="0" cy="0"/>
-        </a:xfrm>
-      </p:grpSpPr>
-      <p:sp>
-        <p:nvSpPr>
-          <p:cNvPr id="2" name="Title 1"/>
-          <p:cNvSpPr>
-            <a:spLocks noGrp="1"/>
-          </p:cNvSpPr>
-          <p:nvPr>
-            <p:ph type="title"/>
-          </p:nvPr>
-        </p:nvSpPr>
-        <p:spPr/>
-        <p:txBody>
-          <a:bodyPr/>
-          <a:lstStyle/>
-          <a:p>
-            <a:pPr algn="ctr"/>
-            <a:r>
-              <a:rPr lang="en-US" dirty="0" smtClean="0"/>
-              <a:t>What we can do with File System?</a:t>
-            </a:r>
-            <a:endParaRPr lang="en-US" dirty="0"/>
-          </a:p>
-        </p:txBody>
-      </p:sp>
-      <p:sp>
-        <p:nvSpPr>
-          <p:cNvPr id="3" name="Content Placeholder 2"/>
-          <p:cNvSpPr>
-            <a:spLocks noGrp="1"/>
-          </p:cNvSpPr>
-          <p:nvPr>
-            <p:ph idx="1"/>
-          </p:nvPr>
-        </p:nvSpPr>
-        <p:spPr/>
-        <p:txBody>
-          <a:bodyPr/>
-          <a:lstStyle/>
-          <a:p>
-            <a:pPr marL="514350" indent="-514350">
-              <a:buFont typeface="+mj-lt"/>
-              <a:buAutoNum type="arabicPeriod"/>
-            </a:pPr>
-            <a:r>
-              <a:rPr lang="en-US" b="1" dirty="0" smtClean="0"/>
-              <a:t>Creating Files and Directories.</a:t>
-            </a:r>
-          </a:p>
-          <a:p>
-            <a:pPr marL="514350" indent="-514350">
-              <a:buFont typeface="+mj-lt"/>
-              <a:buAutoNum type="arabicPeriod"/>
-            </a:pPr>
-            <a:r>
-              <a:rPr lang="en-US" b="1" dirty="0" smtClean="0"/>
-              <a:t>Opening and Reading Directories.</a:t>
-            </a:r>
-          </a:p>
-          <a:p>
-            <a:pPr marL="514350" indent="-514350">
-              <a:buFont typeface="+mj-lt"/>
-              <a:buAutoNum type="arabicPeriod"/>
-            </a:pPr>
-            <a:r>
-              <a:rPr lang="en-US" b="1" dirty="0" smtClean="0"/>
-              <a:t>Symbolic Links </a:t>
-            </a:r>
-            <a:r>
-              <a:rPr lang="en-US" dirty="0" smtClean="0"/>
-              <a:t>- </a:t>
-            </a:r>
-            <a:r>
-              <a:rPr lang="en-US" dirty="0"/>
-              <a:t>is a file similar to a shortcut in that it points to a </a:t>
-            </a:r>
-            <a:r>
-              <a:rPr lang="en-US" i="1" dirty="0"/>
-              <a:t>file name</a:t>
-            </a:r>
-            <a:r>
-              <a:rPr lang="en-US" dirty="0"/>
-              <a:t> or </a:t>
-            </a:r>
-            <a:r>
-              <a:rPr lang="en-US" i="1" dirty="0"/>
-              <a:t>directory</a:t>
-            </a:r>
-            <a:r>
-              <a:rPr lang="en-US" dirty="0"/>
-              <a:t> </a:t>
-            </a:r>
-            <a:r>
-              <a:rPr lang="en-US" i="1" dirty="0"/>
-              <a:t>name</a:t>
-            </a:r>
-            <a:r>
-              <a:rPr lang="en-US" dirty="0"/>
-              <a:t>, but it’s handled at the system level rather than at the application level.</a:t>
-            </a:r>
-            <a:endParaRPr lang="en-US" dirty="0" smtClean="0"/>
-          </a:p>
-          <a:p>
-            <a:pPr marL="514350" indent="-514350">
-              <a:buFont typeface="+mj-lt"/>
-              <a:buAutoNum type="arabicPeriod"/>
-            </a:pPr>
-            <a:r>
-              <a:rPr lang="en-US" b="1" dirty="0"/>
-              <a:t>Hard Links </a:t>
-            </a:r>
-            <a:r>
-              <a:rPr lang="en-US" dirty="0"/>
-              <a:t>- is a file that acts like a representation of another </a:t>
-            </a:r>
-            <a:r>
-              <a:rPr lang="en-US" i="1" dirty="0"/>
-              <a:t>file</a:t>
-            </a:r>
-            <a:r>
-              <a:rPr lang="en-US" dirty="0"/>
-              <a:t> on the </a:t>
-            </a:r>
-            <a:r>
-              <a:rPr lang="en-US" i="1" dirty="0"/>
-              <a:t>same drive</a:t>
-            </a:r>
-            <a:r>
-              <a:rPr lang="en-US" dirty="0"/>
-              <a:t> without actually duplicating that file</a:t>
-            </a:r>
-            <a:r>
-              <a:rPr lang="en-US" dirty="0" smtClean="0"/>
-              <a:t>.</a:t>
-            </a:r>
-          </a:p>
-          <a:p>
-            <a:pPr marL="514350" indent="-514350">
-              <a:buFont typeface="+mj-lt"/>
-              <a:buAutoNum type="arabicPeriod"/>
-            </a:pPr>
-            <a:r>
-              <a:rPr lang="en-US" b="1" dirty="0"/>
-              <a:t>Junction Point</a:t>
-            </a:r>
-            <a:r>
-              <a:rPr lang="en-US" dirty="0"/>
-              <a:t> (or directory hard link) is a type of hard link that acts like a representation of a </a:t>
-            </a:r>
-            <a:r>
-              <a:rPr lang="en-US" i="1" dirty="0"/>
-              <a:t>directory</a:t>
-            </a:r>
-            <a:r>
-              <a:rPr lang="en-US" dirty="0"/>
-              <a:t>, a </a:t>
-            </a:r>
-            <a:r>
-              <a:rPr lang="en-US" i="1" dirty="0"/>
-              <a:t>partition</a:t>
-            </a:r>
-            <a:r>
-              <a:rPr lang="en-US" dirty="0"/>
-              <a:t> or another </a:t>
-            </a:r>
-            <a:r>
-              <a:rPr lang="en-US" i="1" dirty="0"/>
-              <a:t>volume</a:t>
-            </a:r>
-            <a:r>
-              <a:rPr lang="en-US" dirty="0"/>
-              <a:t>. </a:t>
-            </a:r>
-          </a:p>
-        </p:txBody>
-      </p:sp>
-      <p:pic>
-        <p:nvPicPr>
-          <p:cNvPr id="4" name="Picture 3"/>
-          <p:cNvPicPr>
-            <a:picLocks noChangeAspect="1"/>
-          </p:cNvPicPr>
-          <p:nvPr/>
-        </p:nvPicPr>
-        <p:blipFill>
-          <a:blip r:embed="rId2">
-            <a:extLst>
-              <a:ext uri="{28A0092B-C50C-407E-A947-70E740481C1C}">
-                <a14:useLocalDpi xmlns:a14="http://schemas.microsoft.com/office/drawing/2010/main" val="0"/>
-              </a:ext>
-            </a:extLst>
-          </a:blip>
-          <a:stretch>
-            <a:fillRect/>
-          </a:stretch>
-        </p:blipFill>
-        <p:spPr>
-          <a:xfrm>
-            <a:off x="6845522" y="1340476"/>
-            <a:ext cx="4508277" cy="1524000"/>
-          </a:xfrm>
-          <a:prstGeom prst="rect">
-            <a:avLst/>
-          </a:prstGeom>
-        </p:spPr>
-      </p:pic>
-    </p:spTree>
-    <p:extLst>
-      <p:ext uri="{BB962C8B-B14F-4D97-AF65-F5344CB8AC3E}">
-        <p14:creationId xmlns:p14="http://schemas.microsoft.com/office/powerpoint/2010/main" val="255118497"/>
-      </p:ext>
-    </p:extLst>
-  </p:cSld>
-  <p:clrMapOvr>
-    <a:masterClrMapping/>
-  </p:clrMapOvr>
-  <p:timing>
-    <p:tnLst>
-      <p:par>
-        <p:cTn id="1" dur="indefinite" restart="never" nodeType="tmRoot"/>
-      </p:par>
-    </p:tnLst>
-  </p:timing>
-</p:sld>
-</file>
-
-<file path=ppt/slides/slide3.xml><?xml version="1.0" encoding="utf-8"?>
-<p:sld xmlns:a="http://schemas.openxmlformats.org/drawingml/2006/main" xmlns:r="http://schemas.openxmlformats.org/officeDocument/2006/relationships" xmlns:p="http://schemas.openxmlformats.org/presentationml/2006/main">
-  <p:cSld>
-    <p:spTree>
-      <p:nvGrpSpPr>
-        <p:cNvPr id="1" name=""/>
-        <p:cNvGrpSpPr/>
-        <p:nvPr/>
-      </p:nvGrpSpPr>
-      <p:grpSpPr>
-        <a:xfrm>
-          <a:off x="0" y="0"/>
-          <a:ext cx="0" cy="0"/>
-          <a:chOff x="0" y="0"/>
-          <a:chExt cx="0" cy="0"/>
-        </a:xfrm>
-      </p:grpSpPr>
-      <p:sp>
-        <p:nvSpPr>
-          <p:cNvPr id="2" name="Title 1"/>
-          <p:cNvSpPr>
-            <a:spLocks noGrp="1"/>
-          </p:cNvSpPr>
-          <p:nvPr>
-            <p:ph type="title"/>
-          </p:nvPr>
-        </p:nvSpPr>
-        <p:spPr/>
-        <p:txBody>
-          <a:bodyPr/>
-          <a:lstStyle/>
-          <a:p>
-            <a:pPr algn="ctr"/>
-            <a:r>
-              <a:rPr lang="en-US" dirty="0" smtClean="0"/>
-              <a:t>File Attributes</a:t>
-            </a:r>
-            <a:endParaRPr lang="en-US" dirty="0"/>
-          </a:p>
-        </p:txBody>
-      </p:sp>
-      <p:sp>
-        <p:nvSpPr>
-          <p:cNvPr id="3" name="Content Placeholder 2"/>
-          <p:cNvSpPr>
-            <a:spLocks noGrp="1"/>
-          </p:cNvSpPr>
-          <p:nvPr>
-            <p:ph idx="1"/>
-          </p:nvPr>
-        </p:nvSpPr>
-        <p:spPr/>
-        <p:txBody>
-          <a:bodyPr>
-            <a:normAutofit fontScale="92500"/>
-          </a:bodyPr>
-          <a:lstStyle/>
-          <a:p>
-            <a:r>
-              <a:rPr lang="en-US" dirty="0" smtClean="0">
-                <a:effectLst/>
-              </a:rPr>
-              <a:t>File attributes are pieces of information associated with every file and directory that includes additional data about the file itself or its contents. </a:t>
-            </a:r>
-          </a:p>
-          <a:p>
-            <a:r>
-              <a:rPr lang="en-US" dirty="0" smtClean="0">
-                <a:effectLst/>
-              </a:rPr>
-              <a:t>Below are the common attributes and the bits that represent them: </a:t>
-            </a:r>
-            <a:endParaRPr lang="en-US" dirty="0" smtClean="0">
-              <a:effectLst/>
-            </a:endParaRPr>
-          </a:p>
-          <a:p>
-            <a:pPr>
-              <a:buFont typeface="Wingdings" panose="05000000000000000000" pitchFamily="2" charset="2"/>
-              <a:buChar char="Ø"/>
-            </a:pPr>
-            <a:r>
-              <a:rPr lang="en-US" dirty="0" smtClean="0"/>
-              <a:t>Name</a:t>
-            </a:r>
-          </a:p>
-          <a:p>
-            <a:pPr>
-              <a:buFont typeface="Wingdings" panose="05000000000000000000" pitchFamily="2" charset="2"/>
-              <a:buChar char="Ø"/>
-            </a:pPr>
-            <a:r>
-              <a:rPr lang="en-US" dirty="0" smtClean="0"/>
-              <a:t>Identifier</a:t>
-            </a:r>
-          </a:p>
-          <a:p>
-            <a:pPr>
-              <a:buFont typeface="Wingdings" panose="05000000000000000000" pitchFamily="2" charset="2"/>
-              <a:buChar char="Ø"/>
-            </a:pPr>
-            <a:r>
-              <a:rPr lang="en-US" dirty="0" smtClean="0"/>
-              <a:t>Type</a:t>
-            </a:r>
-          </a:p>
-          <a:p>
-            <a:pPr>
-              <a:buFont typeface="Wingdings" panose="05000000000000000000" pitchFamily="2" charset="2"/>
-              <a:buChar char="Ø"/>
-            </a:pPr>
-            <a:r>
-              <a:rPr lang="en-US" dirty="0" smtClean="0"/>
-              <a:t>Location</a:t>
-            </a:r>
-          </a:p>
-          <a:p>
-            <a:pPr>
-              <a:buFont typeface="Wingdings" panose="05000000000000000000" pitchFamily="2" charset="2"/>
-              <a:buChar char="Ø"/>
-            </a:pPr>
-            <a:r>
-              <a:rPr lang="en-US" dirty="0" smtClean="0"/>
-              <a:t>Size</a:t>
-            </a:r>
-          </a:p>
-          <a:p>
-            <a:pPr>
-              <a:buFont typeface="Wingdings" panose="05000000000000000000" pitchFamily="2" charset="2"/>
-              <a:buChar char="Ø"/>
-            </a:pPr>
-            <a:r>
-              <a:rPr lang="en-US" smtClean="0"/>
-              <a:t>Protection</a:t>
-            </a:r>
-          </a:p>
-          <a:p>
-            <a:pPr marL="0" indent="0">
-              <a:buNone/>
-            </a:pPr>
-            <a:endParaRPr lang="en-US" dirty="0"/>
-          </a:p>
-        </p:txBody>
-      </p:sp>
       <p:sp>
         <p:nvSpPr>
           <p:cNvPr id="5" name="Rectangle 1"/>
@@ -4854,7 +3630,498 @@
 </p:sld>
 </file>
 
-<file path=ppt/slides/slide4.xml><?xml version="1.0" encoding="utf-8"?>
+<file path=ppt/slides/slide10.xml><?xml version="1.0" encoding="utf-8"?>
+<p:sld xmlns:a="http://schemas.openxmlformats.org/drawingml/2006/main" xmlns:r="http://schemas.openxmlformats.org/officeDocument/2006/relationships" xmlns:p="http://schemas.openxmlformats.org/presentationml/2006/main">
+  <p:cSld>
+    <p:spTree>
+      <p:nvGrpSpPr>
+        <p:cNvPr id="1" name=""/>
+        <p:cNvGrpSpPr/>
+        <p:nvPr/>
+      </p:nvGrpSpPr>
+      <p:grpSpPr>
+        <a:xfrm>
+          <a:off x="0" y="0"/>
+          <a:ext cx="0" cy="0"/>
+          <a:chOff x="0" y="0"/>
+          <a:chExt cx="0" cy="0"/>
+        </a:xfrm>
+      </p:grpSpPr>
+      <p:sp>
+        <p:nvSpPr>
+          <p:cNvPr id="2" name="Title 1"/>
+          <p:cNvSpPr>
+            <a:spLocks noGrp="1"/>
+          </p:cNvSpPr>
+          <p:nvPr>
+            <p:ph type="title"/>
+          </p:nvPr>
+        </p:nvSpPr>
+        <p:spPr/>
+        <p:txBody>
+          <a:bodyPr/>
+          <a:lstStyle/>
+          <a:p>
+            <a:r>
+              <a:rPr lang="en-US" b="1" dirty="0" smtClean="0"/>
+              <a:t>Disadvantages</a:t>
+            </a:r>
+            <a:endParaRPr lang="en-US" dirty="0"/>
+          </a:p>
+        </p:txBody>
+      </p:sp>
+      <p:sp>
+        <p:nvSpPr>
+          <p:cNvPr id="3" name="Content Placeholder 2"/>
+          <p:cNvSpPr>
+            <a:spLocks noGrp="1"/>
+          </p:cNvSpPr>
+          <p:nvPr>
+            <p:ph idx="1"/>
+          </p:nvPr>
+        </p:nvSpPr>
+        <p:spPr/>
+        <p:txBody>
+          <a:bodyPr>
+            <a:normAutofit fontScale="92500"/>
+          </a:bodyPr>
+          <a:lstStyle/>
+          <a:p>
+            <a:r>
+              <a:rPr lang="en-US" dirty="0" smtClean="0"/>
+              <a:t>It is not recommended to use NTFS on a volume that is smaller than approximately 400 MB, because of the amount of space overhead involved in NTFS. This space overhead is in the form of NTFS system files that typically use at least 4 MB of drive space on a 100 MB partition.</a:t>
+            </a:r>
+          </a:p>
+          <a:p>
+            <a:r>
+              <a:rPr lang="en-US" dirty="0" smtClean="0"/>
+              <a:t>Currently, there is no file </a:t>
+            </a:r>
+            <a:r>
+              <a:rPr lang="en-US" dirty="0"/>
+              <a:t>encryption</a:t>
+            </a:r>
+            <a:r>
+              <a:rPr lang="en-US" dirty="0" smtClean="0"/>
+              <a:t> built into NTFS. Therefore, someone can boot under MS-DOS, or another operating system, and use a low-level disk editing utility to view data stored on an NTFS volume.</a:t>
+            </a:r>
+          </a:p>
+          <a:p>
+            <a:r>
+              <a:rPr lang="en-US" dirty="0" smtClean="0"/>
+              <a:t>It is not possible to format a floppy disk with the NTFS file system; Windows NT formats all floppy disks with the FAT file system because the overhead involved in NTFS will not fit onto a floppy disk.</a:t>
+            </a:r>
+          </a:p>
+          <a:p>
+            <a:endParaRPr lang="en-US" dirty="0"/>
+          </a:p>
+        </p:txBody>
+      </p:sp>
+    </p:spTree>
+    <p:extLst>
+      <p:ext uri="{BB962C8B-B14F-4D97-AF65-F5344CB8AC3E}">
+        <p14:creationId xmlns:p14="http://schemas.microsoft.com/office/powerpoint/2010/main" val="1119984887"/>
+      </p:ext>
+    </p:extLst>
+  </p:cSld>
+  <p:clrMapOvr>
+    <a:masterClrMapping/>
+  </p:clrMapOvr>
+  <p:timing>
+    <p:tnLst>
+      <p:par>
+        <p:cTn id="1" dur="indefinite" restart="never" nodeType="tmRoot"/>
+      </p:par>
+    </p:tnLst>
+  </p:timing>
+</p:sld>
+</file>
+
+<file path=ppt/slides/slide11.xml><?xml version="1.0" encoding="utf-8"?>
+<p:sld xmlns:a="http://schemas.openxmlformats.org/drawingml/2006/main" xmlns:r="http://schemas.openxmlformats.org/officeDocument/2006/relationships" xmlns:p="http://schemas.openxmlformats.org/presentationml/2006/main">
+  <p:cSld>
+    <p:spTree>
+      <p:nvGrpSpPr>
+        <p:cNvPr id="1" name=""/>
+        <p:cNvGrpSpPr/>
+        <p:nvPr/>
+      </p:nvGrpSpPr>
+      <p:grpSpPr>
+        <a:xfrm>
+          <a:off x="0" y="0"/>
+          <a:ext cx="0" cy="0"/>
+          <a:chOff x="0" y="0"/>
+          <a:chExt cx="0" cy="0"/>
+        </a:xfrm>
+      </p:grpSpPr>
+      <p:sp>
+        <p:nvSpPr>
+          <p:cNvPr id="2" name="Title 1"/>
+          <p:cNvSpPr>
+            <a:spLocks noGrp="1"/>
+          </p:cNvSpPr>
+          <p:nvPr>
+            <p:ph type="title"/>
+          </p:nvPr>
+        </p:nvSpPr>
+        <p:spPr/>
+        <p:txBody>
+          <a:bodyPr/>
+          <a:lstStyle/>
+          <a:p>
+            <a:r>
+              <a:rPr lang="en-US" b="1" dirty="0" smtClean="0">
+                <a:effectLst/>
+              </a:rPr>
+              <a:t>Comparison Chart</a:t>
+            </a:r>
+            <a:endParaRPr lang="en-US" dirty="0"/>
+          </a:p>
+        </p:txBody>
+      </p:sp>
+      <p:sp>
+        <p:nvSpPr>
+          <p:cNvPr id="3" name="Content Placeholder 2"/>
+          <p:cNvSpPr>
+            <a:spLocks noGrp="1"/>
+          </p:cNvSpPr>
+          <p:nvPr>
+            <p:ph idx="1"/>
+          </p:nvPr>
+        </p:nvSpPr>
+        <p:spPr/>
+        <p:txBody>
+          <a:bodyPr/>
+          <a:lstStyle/>
+          <a:p>
+            <a:endParaRPr lang="en-US" dirty="0"/>
+          </a:p>
+        </p:txBody>
+      </p:sp>
+    </p:spTree>
+    <p:extLst>
+      <p:ext uri="{BB962C8B-B14F-4D97-AF65-F5344CB8AC3E}">
+        <p14:creationId xmlns:p14="http://schemas.microsoft.com/office/powerpoint/2010/main" val="3716339658"/>
+      </p:ext>
+    </p:extLst>
+  </p:cSld>
+  <p:clrMapOvr>
+    <a:masterClrMapping/>
+  </p:clrMapOvr>
+  <p:timing>
+    <p:tnLst>
+      <p:par>
+        <p:cTn id="1" dur="indefinite" restart="never" nodeType="tmRoot"/>
+      </p:par>
+    </p:tnLst>
+  </p:timing>
+</p:sld>
+</file>
+
+<file path=ppt/slides/slide12.xml><?xml version="1.0" encoding="utf-8"?>
+<p:sld xmlns:a="http://schemas.openxmlformats.org/drawingml/2006/main" xmlns:r="http://schemas.openxmlformats.org/officeDocument/2006/relationships" xmlns:p="http://schemas.openxmlformats.org/presentationml/2006/main">
+  <p:cSld>
+    <p:spTree>
+      <p:nvGrpSpPr>
+        <p:cNvPr id="1" name=""/>
+        <p:cNvGrpSpPr/>
+        <p:nvPr/>
+      </p:nvGrpSpPr>
+      <p:grpSpPr>
+        <a:xfrm>
+          <a:off x="0" y="0"/>
+          <a:ext cx="0" cy="0"/>
+          <a:chOff x="0" y="0"/>
+          <a:chExt cx="0" cy="0"/>
+        </a:xfrm>
+      </p:grpSpPr>
+      <p:sp>
+        <p:nvSpPr>
+          <p:cNvPr id="2" name="Title 1"/>
+          <p:cNvSpPr>
+            <a:spLocks noGrp="1"/>
+          </p:cNvSpPr>
+          <p:nvPr>
+            <p:ph type="title"/>
+          </p:nvPr>
+        </p:nvSpPr>
+        <p:spPr/>
+        <p:txBody>
+          <a:bodyPr/>
+          <a:lstStyle/>
+          <a:p>
+            <a:r>
+              <a:rPr lang="en-US" dirty="0" smtClean="0"/>
+              <a:t>Conversion</a:t>
+            </a:r>
+            <a:endParaRPr lang="en-US" dirty="0"/>
+          </a:p>
+        </p:txBody>
+      </p:sp>
+      <p:sp>
+        <p:nvSpPr>
+          <p:cNvPr id="3" name="Content Placeholder 2"/>
+          <p:cNvSpPr>
+            <a:spLocks noGrp="1"/>
+          </p:cNvSpPr>
+          <p:nvPr>
+            <p:ph idx="1"/>
+          </p:nvPr>
+        </p:nvSpPr>
+        <p:spPr/>
+        <p:txBody>
+          <a:bodyPr>
+            <a:normAutofit lnSpcReduction="10000"/>
+          </a:bodyPr>
+          <a:lstStyle/>
+          <a:p>
+            <a:pPr marL="0" indent="0">
+              <a:buNone/>
+            </a:pPr>
+            <a:r>
+              <a:rPr lang="en-US" b="1" dirty="0"/>
+              <a:t>FAT 32 to NTFS Conversion </a:t>
+            </a:r>
+            <a:r>
+              <a:rPr lang="en-US" b="1" dirty="0" smtClean="0"/>
+              <a:t>Steps</a:t>
+            </a:r>
+          </a:p>
+          <a:p>
+            <a:pPr marL="514350" indent="-514350">
+              <a:buFont typeface="+mj-lt"/>
+              <a:buAutoNum type="arabicPeriod"/>
+            </a:pPr>
+            <a:r>
+              <a:rPr lang="en-US" dirty="0" smtClean="0">
+                <a:effectLst/>
+              </a:rPr>
+              <a:t>Go to Computer, and note the name of the drive whose file system you wish to convert.</a:t>
+            </a:r>
+          </a:p>
+          <a:p>
+            <a:pPr marL="514350" indent="-514350">
+              <a:buFont typeface="+mj-lt"/>
+              <a:buAutoNum type="arabicPeriod"/>
+            </a:pPr>
+            <a:r>
+              <a:rPr lang="en-US" dirty="0" smtClean="0">
+                <a:effectLst/>
+              </a:rPr>
+              <a:t>Click on Start.</a:t>
+            </a:r>
+          </a:p>
+          <a:p>
+            <a:pPr marL="514350" indent="-514350">
+              <a:buFont typeface="+mj-lt"/>
+              <a:buAutoNum type="arabicPeriod"/>
+            </a:pPr>
+            <a:r>
+              <a:rPr lang="en-US" dirty="0" smtClean="0">
+                <a:effectLst/>
+              </a:rPr>
+              <a:t>Type </a:t>
+            </a:r>
+            <a:r>
+              <a:rPr lang="en-US" b="1" dirty="0" err="1" smtClean="0">
+                <a:effectLst/>
+              </a:rPr>
+              <a:t>cmd</a:t>
+            </a:r>
+            <a:r>
+              <a:rPr lang="en-US" dirty="0" smtClean="0">
+                <a:effectLst/>
+              </a:rPr>
+              <a:t> in the search bar if you use Windows 7, Windows 8, Windows 8.1 or Windows 10. If you use Windows XP, click on Run and then execute </a:t>
+            </a:r>
+            <a:r>
+              <a:rPr lang="en-US" b="1" dirty="0" smtClean="0">
+                <a:effectLst/>
+              </a:rPr>
+              <a:t>cmd</a:t>
+            </a:r>
+            <a:r>
+              <a:rPr lang="en-US" dirty="0" smtClean="0">
+                <a:effectLst/>
+              </a:rPr>
+              <a:t>.</a:t>
+            </a:r>
+          </a:p>
+          <a:p>
+            <a:pPr marL="514350" indent="-514350">
+              <a:buFont typeface="+mj-lt"/>
+              <a:buAutoNum type="arabicPeriod"/>
+            </a:pPr>
+            <a:r>
+              <a:rPr lang="en-US" dirty="0" smtClean="0">
+                <a:effectLst/>
+              </a:rPr>
+              <a:t>Execute "</a:t>
+            </a:r>
+            <a:r>
+              <a:rPr lang="en-US" i="1" dirty="0" err="1" smtClean="0">
+                <a:effectLst/>
+              </a:rPr>
+              <a:t>chkdsk</a:t>
+            </a:r>
+            <a:r>
+              <a:rPr lang="en-US" i="1" dirty="0" smtClean="0">
+                <a:effectLst/>
+              </a:rPr>
+              <a:t> h: /f </a:t>
+            </a:r>
+            <a:r>
+              <a:rPr lang="en-US" dirty="0" smtClean="0">
+                <a:effectLst/>
+              </a:rPr>
+              <a:t>" (without quotes) where H is the letter of the drive to undergo conversion. This checks the drive for errors and fixes them automatically.</a:t>
+            </a:r>
+            <a:endParaRPr lang="en-US" dirty="0"/>
+          </a:p>
+        </p:txBody>
+      </p:sp>
+    </p:spTree>
+    <p:extLst>
+      <p:ext uri="{BB962C8B-B14F-4D97-AF65-F5344CB8AC3E}">
+        <p14:creationId xmlns:p14="http://schemas.microsoft.com/office/powerpoint/2010/main" val="36349328"/>
+      </p:ext>
+    </p:extLst>
+  </p:cSld>
+  <p:clrMapOvr>
+    <a:masterClrMapping/>
+  </p:clrMapOvr>
+  <p:timing>
+    <p:tnLst>
+      <p:par>
+        <p:cTn id="1" dur="indefinite" restart="never" nodeType="tmRoot"/>
+      </p:par>
+    </p:tnLst>
+  </p:timing>
+</p:sld>
+</file>
+
+<file path=ppt/slides/slide13.xml><?xml version="1.0" encoding="utf-8"?>
+<p:sld xmlns:a="http://schemas.openxmlformats.org/drawingml/2006/main" xmlns:r="http://schemas.openxmlformats.org/officeDocument/2006/relationships" xmlns:p="http://schemas.openxmlformats.org/presentationml/2006/main">
+  <p:cSld>
+    <p:spTree>
+      <p:nvGrpSpPr>
+        <p:cNvPr id="1" name=""/>
+        <p:cNvGrpSpPr/>
+        <p:nvPr/>
+      </p:nvGrpSpPr>
+      <p:grpSpPr>
+        <a:xfrm>
+          <a:off x="0" y="0"/>
+          <a:ext cx="0" cy="0"/>
+          <a:chOff x="0" y="0"/>
+          <a:chExt cx="0" cy="0"/>
+        </a:xfrm>
+      </p:grpSpPr>
+      <p:sp>
+        <p:nvSpPr>
+          <p:cNvPr id="2" name="Title 1"/>
+          <p:cNvSpPr>
+            <a:spLocks noGrp="1"/>
+          </p:cNvSpPr>
+          <p:nvPr>
+            <p:ph type="title"/>
+          </p:nvPr>
+        </p:nvSpPr>
+        <p:spPr/>
+        <p:txBody>
+          <a:bodyPr/>
+          <a:lstStyle/>
+          <a:p>
+            <a:endParaRPr lang="en-US"/>
+          </a:p>
+        </p:txBody>
+      </p:sp>
+      <p:sp>
+        <p:nvSpPr>
+          <p:cNvPr id="3" name="Content Placeholder 2"/>
+          <p:cNvSpPr>
+            <a:spLocks noGrp="1"/>
+          </p:cNvSpPr>
+          <p:nvPr>
+            <p:ph idx="1"/>
+          </p:nvPr>
+        </p:nvSpPr>
+        <p:spPr/>
+        <p:txBody>
+          <a:bodyPr/>
+          <a:lstStyle/>
+          <a:p>
+            <a:pPr marL="514350" indent="-514350">
+              <a:buFont typeface="+mj-lt"/>
+              <a:buAutoNum type="arabicPeriod" startAt="5"/>
+            </a:pPr>
+            <a:r>
+              <a:rPr lang="en-US" dirty="0" smtClean="0">
+                <a:effectLst/>
+              </a:rPr>
+              <a:t>Execute "</a:t>
+            </a:r>
+            <a:r>
+              <a:rPr lang="en-US" i="1" dirty="0" smtClean="0">
+                <a:effectLst/>
+              </a:rPr>
+              <a:t>Convert H: /FS:NTFS</a:t>
+            </a:r>
+            <a:r>
+              <a:rPr lang="en-US" dirty="0" smtClean="0">
+                <a:effectLst/>
+              </a:rPr>
+              <a:t>" (without quotes). H is again the letter of the drive to be converted.</a:t>
+            </a:r>
+          </a:p>
+          <a:p>
+            <a:pPr marL="514350" indent="-514350">
+              <a:buFont typeface="+mj-lt"/>
+              <a:buAutoNum type="arabicPeriod" startAt="5"/>
+            </a:pPr>
+            <a:r>
+              <a:rPr lang="en-US" dirty="0" smtClean="0">
+                <a:effectLst/>
+              </a:rPr>
+              <a:t>The command prompt will start the conversion process and after a few minutes, CMD will say that conversion was successful.</a:t>
+            </a:r>
+          </a:p>
+          <a:p>
+            <a:pPr marL="514350" indent="-514350">
+              <a:buFont typeface="+mj-lt"/>
+              <a:buAutoNum type="arabicPeriod" startAt="5"/>
+            </a:pPr>
+            <a:r>
+              <a:rPr lang="en-US" dirty="0" smtClean="0">
+                <a:effectLst/>
+              </a:rPr>
+              <a:t>You can check it in the properties of the drive through right click&lt;Properties.</a:t>
+            </a:r>
+            <a:endParaRPr lang="en-US" dirty="0"/>
+          </a:p>
+        </p:txBody>
+      </p:sp>
+    </p:spTree>
+    <p:extLst>
+      <p:ext uri="{BB962C8B-B14F-4D97-AF65-F5344CB8AC3E}">
+        <p14:creationId xmlns:p14="http://schemas.microsoft.com/office/powerpoint/2010/main" val="4105096508"/>
+      </p:ext>
+    </p:extLst>
+  </p:cSld>
+  <p:clrMapOvr>
+    <a:masterClrMapping/>
+  </p:clrMapOvr>
+  <p:timing>
+    <p:tnLst>
+      <p:par>
+        <p:cTn id="1" dur="indefinite" restart="never" nodeType="tmRoot"/>
+      </p:par>
+    </p:tnLst>
+  </p:timing>
+</p:sld>
+</file>
+
+<file path=ppt/slides/slide2.xml><?xml version="1.0" encoding="utf-8"?>
 <p:sld xmlns:a="http://schemas.openxmlformats.org/drawingml/2006/main" xmlns:r="http://schemas.openxmlformats.org/officeDocument/2006/relationships" xmlns:p="http://schemas.openxmlformats.org/presentationml/2006/main">
   <p:cSld>
     <p:spTree>
@@ -4980,7 +4247,7 @@
 </p:sld>
 </file>
 
-<file path=ppt/slides/slide5.xml><?xml version="1.0" encoding="utf-8"?>
+<file path=ppt/slides/slide3.xml><?xml version="1.0" encoding="utf-8"?>
 <p:sld xmlns:a="http://schemas.openxmlformats.org/drawingml/2006/main" xmlns:r="http://schemas.openxmlformats.org/officeDocument/2006/relationships" xmlns:p="http://schemas.openxmlformats.org/presentationml/2006/main">
   <p:cSld>
     <p:spTree>
@@ -5076,6 +4343,241 @@
 </p:sld>
 </file>
 
+<file path=ppt/slides/slide4.xml><?xml version="1.0" encoding="utf-8"?>
+<p:sld xmlns:a="http://schemas.openxmlformats.org/drawingml/2006/main" xmlns:r="http://schemas.openxmlformats.org/officeDocument/2006/relationships" xmlns:p="http://schemas.openxmlformats.org/presentationml/2006/main">
+  <p:cSld>
+    <p:spTree>
+      <p:nvGrpSpPr>
+        <p:cNvPr id="1" name=""/>
+        <p:cNvGrpSpPr/>
+        <p:nvPr/>
+      </p:nvGrpSpPr>
+      <p:grpSpPr>
+        <a:xfrm>
+          <a:off x="0" y="0"/>
+          <a:ext cx="0" cy="0"/>
+          <a:chOff x="0" y="0"/>
+          <a:chExt cx="0" cy="0"/>
+        </a:xfrm>
+      </p:grpSpPr>
+      <p:sp>
+        <p:nvSpPr>
+          <p:cNvPr id="2" name="Title 1"/>
+          <p:cNvSpPr>
+            <a:spLocks noGrp="1"/>
+          </p:cNvSpPr>
+          <p:nvPr>
+            <p:ph type="title"/>
+          </p:nvPr>
+        </p:nvSpPr>
+        <p:spPr/>
+        <p:txBody>
+          <a:bodyPr/>
+          <a:lstStyle/>
+          <a:p>
+            <a:pPr algn="ctr"/>
+            <a:r>
+              <a:rPr lang="en-IN" dirty="0" smtClean="0"/>
+              <a:t>Device File and Naming Convention</a:t>
+            </a:r>
+            <a:endParaRPr lang="en-IN" dirty="0"/>
+          </a:p>
+        </p:txBody>
+      </p:sp>
+      <p:sp>
+        <p:nvSpPr>
+          <p:cNvPr id="3" name="Content Placeholder 2"/>
+          <p:cNvSpPr>
+            <a:spLocks noGrp="1"/>
+          </p:cNvSpPr>
+          <p:nvPr>
+            <p:ph idx="1"/>
+          </p:nvPr>
+        </p:nvSpPr>
+        <p:spPr/>
+        <p:txBody>
+          <a:bodyPr/>
+          <a:lstStyle/>
+          <a:p>
+            <a:r>
+              <a:rPr lang="en-IN" dirty="0"/>
+              <a:t>Device files allow user programs to access hardware devices on the system through the kernel. </a:t>
+            </a:r>
+            <a:endParaRPr lang="en-IN" dirty="0" smtClean="0"/>
+          </a:p>
+          <a:p>
+            <a:r>
+              <a:rPr lang="en-IN" dirty="0" smtClean="0"/>
+              <a:t>They </a:t>
+            </a:r>
+            <a:r>
+              <a:rPr lang="en-IN" dirty="0"/>
+              <a:t>are not "files" per se, but look like files from the program's point of view: you can read from them, write to them, </a:t>
+            </a:r>
+            <a:r>
+              <a:rPr lang="en-IN" i="1" dirty="0" err="1"/>
+              <a:t>mmap</a:t>
+            </a:r>
+            <a:r>
+              <a:rPr lang="en-IN" i="1" dirty="0"/>
+              <a:t>()</a:t>
+            </a:r>
+            <a:r>
+              <a:rPr lang="en-IN" dirty="0"/>
+              <a:t> onto them, and so forth. </a:t>
+            </a:r>
+            <a:endParaRPr lang="en-IN" dirty="0" smtClean="0"/>
+          </a:p>
+          <a:p>
+            <a:r>
+              <a:rPr lang="en-IN" dirty="0" smtClean="0"/>
+              <a:t>When </a:t>
+            </a:r>
+            <a:r>
+              <a:rPr lang="en-IN" dirty="0"/>
+              <a:t>you access such a device "file," the kernel recognizes the I/O request and passes it a device driver, which performs some operation, such as reading data from a serial port, or sending data to a sound card.</a:t>
+            </a:r>
+            <a:endParaRPr lang="en-IN" dirty="0"/>
+          </a:p>
+        </p:txBody>
+      </p:sp>
+    </p:spTree>
+    <p:extLst>
+      <p:ext uri="{BB962C8B-B14F-4D97-AF65-F5344CB8AC3E}">
+        <p14:creationId xmlns:p14="http://schemas.microsoft.com/office/powerpoint/2010/main" val="3688599463"/>
+      </p:ext>
+    </p:extLst>
+  </p:cSld>
+  <p:clrMapOvr>
+    <a:masterClrMapping/>
+  </p:clrMapOvr>
+</p:sld>
+</file>
+
+<file path=ppt/slides/slide5.xml><?xml version="1.0" encoding="utf-8"?>
+<p:sld xmlns:a="http://schemas.openxmlformats.org/drawingml/2006/main" xmlns:r="http://schemas.openxmlformats.org/officeDocument/2006/relationships" xmlns:p="http://schemas.openxmlformats.org/presentationml/2006/main">
+  <p:cSld>
+    <p:spTree>
+      <p:nvGrpSpPr>
+        <p:cNvPr id="1" name=""/>
+        <p:cNvGrpSpPr/>
+        <p:nvPr/>
+      </p:nvGrpSpPr>
+      <p:grpSpPr>
+        <a:xfrm>
+          <a:off x="0" y="0"/>
+          <a:ext cx="0" cy="0"/>
+          <a:chOff x="0" y="0"/>
+          <a:chExt cx="0" cy="0"/>
+        </a:xfrm>
+      </p:grpSpPr>
+      <p:sp>
+        <p:nvSpPr>
+          <p:cNvPr id="2" name="Title 1"/>
+          <p:cNvSpPr>
+            <a:spLocks noGrp="1"/>
+          </p:cNvSpPr>
+          <p:nvPr>
+            <p:ph type="title"/>
+          </p:nvPr>
+        </p:nvSpPr>
+        <p:spPr/>
+        <p:txBody>
+          <a:bodyPr/>
+          <a:lstStyle/>
+          <a:p>
+            <a:pPr algn="ctr"/>
+            <a:r>
+              <a:rPr lang="en-IN" dirty="0" smtClean="0"/>
+              <a:t>Location of Device File</a:t>
+            </a:r>
+            <a:endParaRPr lang="en-IN" dirty="0"/>
+          </a:p>
+        </p:txBody>
+      </p:sp>
+      <p:sp>
+        <p:nvSpPr>
+          <p:cNvPr id="3" name="Content Placeholder 2"/>
+          <p:cNvSpPr>
+            <a:spLocks noGrp="1"/>
+          </p:cNvSpPr>
+          <p:nvPr>
+            <p:ph idx="1"/>
+          </p:nvPr>
+        </p:nvSpPr>
+        <p:spPr/>
+        <p:txBody>
+          <a:bodyPr/>
+          <a:lstStyle/>
+          <a:p>
+            <a:r>
+              <a:rPr lang="en-IN" dirty="0"/>
+              <a:t>Device files are located in the directory </a:t>
+            </a:r>
+            <a:r>
+              <a:rPr lang="en-IN" i="1" dirty="0"/>
+              <a:t>/dev</a:t>
+            </a:r>
+            <a:r>
+              <a:rPr lang="en-IN" dirty="0"/>
+              <a:t> on nearly all Unix-like systems</a:t>
+            </a:r>
+            <a:r>
+              <a:rPr lang="en-IN" dirty="0" smtClean="0"/>
+              <a:t>.</a:t>
+            </a:r>
+          </a:p>
+          <a:p>
+            <a:r>
+              <a:rPr lang="en-IN" dirty="0" smtClean="0"/>
+              <a:t>When using ls –l to list device  files in /dev,</a:t>
+            </a:r>
+          </a:p>
+          <a:p>
+            <a:pPr marL="457200" lvl="1" indent="0">
+              <a:buNone/>
+            </a:pPr>
+            <a:r>
+              <a:rPr lang="en-IN" dirty="0"/>
+              <a:t>	</a:t>
+            </a:r>
+            <a:r>
+              <a:rPr lang="en-IN" dirty="0" err="1" smtClean="0"/>
+              <a:t>brw</a:t>
+            </a:r>
+            <a:r>
+              <a:rPr lang="en-IN" dirty="0" smtClean="0"/>
+              <a:t>-</a:t>
+            </a:r>
+            <a:r>
+              <a:rPr lang="en-IN" dirty="0" err="1" smtClean="0"/>
+              <a:t>rw</a:t>
+            </a:r>
+            <a:r>
+              <a:rPr lang="en-IN" dirty="0" smtClean="0"/>
+              <a:t>----   1   root   disk   3,   0 May 19   1994      /dev/</a:t>
+            </a:r>
+            <a:r>
+              <a:rPr lang="en-IN" dirty="0" err="1" smtClean="0"/>
+              <a:t>hda</a:t>
+            </a:r>
+            <a:endParaRPr lang="en-IN" dirty="0"/>
+          </a:p>
+        </p:txBody>
+      </p:sp>
+    </p:spTree>
+    <p:extLst>
+      <p:ext uri="{BB962C8B-B14F-4D97-AF65-F5344CB8AC3E}">
+        <p14:creationId xmlns:p14="http://schemas.microsoft.com/office/powerpoint/2010/main" val="432576343"/>
+      </p:ext>
+    </p:extLst>
+  </p:cSld>
+  <p:clrMapOvr>
+    <a:masterClrMapping/>
+  </p:clrMapOvr>
+</p:sld>
+</file>
+
 <file path=ppt/slides/slide6.xml><?xml version="1.0" encoding="utf-8"?>
 <p:sld xmlns:a="http://schemas.openxmlformats.org/drawingml/2006/main" xmlns:r="http://schemas.openxmlformats.org/officeDocument/2006/relationships" xmlns:p="http://schemas.openxmlformats.org/presentationml/2006/main">
   <p:cSld>
@@ -5108,7 +4610,6 @@
           <a:bodyPr/>
           <a:lstStyle/>
           <a:p>
-            <a:pPr algn="ctr"/>
             <a:r>
               <a:rPr lang="en-US" dirty="0" smtClean="0"/>
               <a:t>FAT</a:t>
@@ -5132,60 +4633,7 @@
           <a:bodyPr/>
           <a:lstStyle/>
           <a:p>
-            <a:r>
-              <a:rPr lang="en-US" dirty="0"/>
-              <a:t>FAT was the default file system used in older Windows versions (before Windows XP). Still, FAT can be used with floppy disks and older Windows versions (for multi-boot systems). </a:t>
-            </a:r>
-            <a:endParaRPr lang="en-US" dirty="0" smtClean="0"/>
-          </a:p>
-          <a:p>
-            <a:r>
-              <a:rPr lang="en-US" dirty="0" smtClean="0"/>
-              <a:t>Versions of FAT:</a:t>
-            </a:r>
-          </a:p>
-          <a:p>
-            <a:pPr marL="514350" indent="-514350">
-              <a:buFont typeface="+mj-lt"/>
-              <a:buAutoNum type="arabicPeriod"/>
-            </a:pPr>
-            <a:r>
-              <a:rPr lang="en-US" dirty="0" smtClean="0"/>
-              <a:t>FAT 8</a:t>
-            </a:r>
-          </a:p>
-          <a:p>
-            <a:pPr marL="514350" indent="-514350">
-              <a:buFont typeface="+mj-lt"/>
-              <a:buAutoNum type="arabicPeriod"/>
-            </a:pPr>
-            <a:r>
-              <a:rPr lang="en-US" dirty="0" smtClean="0"/>
-              <a:t>FAT 12</a:t>
-            </a:r>
-          </a:p>
-          <a:p>
-            <a:pPr marL="514350" indent="-514350">
-              <a:buFont typeface="+mj-lt"/>
-              <a:buAutoNum type="arabicPeriod"/>
-            </a:pPr>
-            <a:r>
-              <a:rPr lang="en-US" dirty="0" smtClean="0"/>
-              <a:t>FAT 16</a:t>
-            </a:r>
-          </a:p>
-          <a:p>
-            <a:pPr marL="514350" indent="-514350">
-              <a:buFont typeface="+mj-lt"/>
-              <a:buAutoNum type="arabicPeriod"/>
-            </a:pPr>
-            <a:r>
-              <a:rPr lang="en-US" dirty="0" smtClean="0"/>
-              <a:t>FAT 32</a:t>
-            </a:r>
-          </a:p>
-          <a:p>
-            <a:endParaRPr lang="en-US" dirty="0"/>
+            <a:endParaRPr lang="en-US"/>
           </a:p>
         </p:txBody>
       </p:sp>
@@ -5244,7 +4692,7 @@
             <a:pPr algn="ctr"/>
             <a:r>
               <a:rPr lang="en-US" dirty="0" smtClean="0"/>
-              <a:t>Naming Convention</a:t>
+              <a:t>NTFS</a:t>
             </a:r>
             <a:endParaRPr lang="en-US" dirty="0"/>
           </a:p>
@@ -5266,43 +4714,9 @@
           <a:lstStyle/>
           <a:p>
             <a:r>
-              <a:rPr lang="en-US" dirty="0"/>
-              <a:t>FAT file system used by MS-DOS provides file name of only 8 characters long</a:t>
-            </a:r>
-            <a:r>
               <a:rPr lang="en-US" dirty="0" smtClean="0"/>
-              <a:t>.</a:t>
-            </a:r>
-          </a:p>
-          <a:p>
-            <a:r>
-              <a:rPr lang="en-US" dirty="0"/>
-              <a:t>FAT file system used by Windows 2000 supports long file name. The full path of file including filename can be up to 255 characters long.</a:t>
-            </a:r>
-            <a:endParaRPr lang="en-US" dirty="0" smtClean="0"/>
-          </a:p>
-          <a:p>
-            <a:r>
-              <a:rPr lang="en-US" dirty="0"/>
-              <a:t>File names can contain any character except “/ \ [] = , ^ ?a “”</a:t>
-            </a:r>
-            <a:endParaRPr lang="en-US" dirty="0"/>
-          </a:p>
-          <a:p>
-            <a:r>
-              <a:rPr lang="en-US" dirty="0"/>
-              <a:t>File names should begin with alphanumeric characters.</a:t>
-            </a:r>
-            <a:endParaRPr lang="en-US" dirty="0"/>
-          </a:p>
-          <a:p>
-            <a:r>
-              <a:rPr lang="en-US" dirty="0"/>
-              <a:t>File names can contain spaces and multiple periods. The characters after the last period are treated as file extension.</a:t>
-            </a:r>
-            <a:endParaRPr lang="en-US" dirty="0"/>
-          </a:p>
-          <a:p>
+              <a:t>NTFS stands for New Technology File system . Windows operating system use NTFS file system for store and retrieve files from hardware. It is a file arranging format just as FAT and HPFS . NTFS file system organize the files into directories .</a:t>
+            </a:r>
             <a:endParaRPr lang="en-US" dirty="0"/>
           </a:p>
         </p:txBody>
@@ -5310,7 +4724,7 @@
     </p:spTree>
     <p:extLst>
       <p:ext uri="{BB962C8B-B14F-4D97-AF65-F5344CB8AC3E}">
-        <p14:creationId xmlns:p14="http://schemas.microsoft.com/office/powerpoint/2010/main" val="2544267476"/>
+        <p14:creationId xmlns:p14="http://schemas.microsoft.com/office/powerpoint/2010/main" val="1411933196"/>
       </p:ext>
     </p:extLst>
   </p:cSld>
@@ -5359,74 +4773,62 @@
           <a:bodyPr/>
           <a:lstStyle/>
           <a:p>
-            <a:pPr algn="ctr"/>
+            <a:r>
+              <a:rPr lang="en-US" b="1" dirty="0" smtClean="0"/>
+              <a:t>Naming</a:t>
+            </a:r>
+            <a:endParaRPr lang="en-US" dirty="0"/>
+          </a:p>
+        </p:txBody>
+      </p:sp>
+      <p:sp>
+        <p:nvSpPr>
+          <p:cNvPr id="3" name="Content Placeholder 2"/>
+          <p:cNvSpPr>
+            <a:spLocks noGrp="1"/>
+          </p:cNvSpPr>
+          <p:nvPr>
+            <p:ph idx="1"/>
+          </p:nvPr>
+        </p:nvSpPr>
+        <p:spPr/>
+        <p:txBody>
+          <a:bodyPr/>
+          <a:lstStyle/>
+          <a:p>
             <a:r>
               <a:rPr lang="en-US" dirty="0" smtClean="0"/>
-              <a:t>Advantages</a:t>
+              <a:t>File and directory names can be up to 255 characters long, including any extensions. Names preserve case, but are not case sensitive.</a:t>
+            </a:r>
+          </a:p>
+          <a:p>
+            <a:r>
+              <a:rPr lang="en-US" dirty="0" smtClean="0"/>
+              <a:t>It makes no distinction of filenames based on case. Names can contain any characters except for the following:</a:t>
+            </a:r>
+          </a:p>
+          <a:p>
+            <a:pPr marL="0" indent="0">
+              <a:buNone/>
+            </a:pPr>
+            <a:r>
+              <a:rPr lang="en-US" dirty="0" smtClean="0"/>
+              <a:t>	? " / \ &lt; &gt; * | :</a:t>
+            </a:r>
+          </a:p>
+          <a:p>
+            <a:r>
+              <a:rPr lang="en-US" dirty="0" smtClean="0"/>
+              <a:t>Currently, from the command line, you can only create file names of up to 253 characters.</a:t>
             </a:r>
             <a:endParaRPr lang="en-US" dirty="0"/>
-          </a:p>
-        </p:txBody>
-      </p:sp>
-      <p:sp>
-        <p:nvSpPr>
-          <p:cNvPr id="3" name="Content Placeholder 2"/>
-          <p:cNvSpPr>
-            <a:spLocks noGrp="1"/>
-          </p:cNvSpPr>
-          <p:nvPr>
-            <p:ph idx="1"/>
-          </p:nvPr>
-        </p:nvSpPr>
-        <p:spPr/>
-        <p:txBody>
-          <a:bodyPr/>
-          <a:lstStyle/>
-          <a:p>
-            <a:r>
-              <a:rPr lang="en-US" dirty="0"/>
-              <a:t>It is not possible to perform an undelete under Windows NT on any of the supported file systems. </a:t>
-            </a:r>
-            <a:endParaRPr lang="en-US" dirty="0" smtClean="0"/>
-          </a:p>
-          <a:p>
-            <a:r>
-              <a:rPr lang="en-US" dirty="0" smtClean="0"/>
-              <a:t>Undelete </a:t>
-            </a:r>
-            <a:r>
-              <a:rPr lang="en-US" dirty="0"/>
-              <a:t>utilities try to directly access the hardware, which cannot be done under Windows NT. </a:t>
-            </a:r>
-            <a:endParaRPr lang="en-US" dirty="0" smtClean="0"/>
-          </a:p>
-          <a:p>
-            <a:r>
-              <a:rPr lang="en-US" dirty="0" smtClean="0"/>
-              <a:t>However</a:t>
-            </a:r>
-            <a:r>
-              <a:rPr lang="en-US" dirty="0"/>
-              <a:t>, if the file was located on a FAT partition, and the system is restarted under MS-DOS, the file can be undeleted. </a:t>
-            </a:r>
-            <a:endParaRPr lang="en-US" dirty="0" smtClean="0"/>
-          </a:p>
-          <a:p>
-            <a:r>
-              <a:rPr lang="en-US" dirty="0" smtClean="0"/>
-              <a:t>The </a:t>
-            </a:r>
-            <a:r>
-              <a:rPr lang="en-US" dirty="0"/>
-              <a:t>FAT file system is best for drives and/or partitions under approximately 200 MB, because FAT starts out with very little overhead. </a:t>
-            </a:r>
           </a:p>
         </p:txBody>
       </p:sp>
     </p:spTree>
     <p:extLst>
       <p:ext uri="{BB962C8B-B14F-4D97-AF65-F5344CB8AC3E}">
-        <p14:creationId xmlns:p14="http://schemas.microsoft.com/office/powerpoint/2010/main" val="332879452"/>
+        <p14:creationId xmlns:p14="http://schemas.microsoft.com/office/powerpoint/2010/main" val="981009952"/>
       </p:ext>
     </p:extLst>
   </p:cSld>
@@ -5475,62 +4877,49 @@
           <a:bodyPr/>
           <a:lstStyle/>
           <a:p>
-            <a:pPr algn="ctr"/>
+            <a:r>
+              <a:rPr lang="en-US" b="1" dirty="0" smtClean="0"/>
+              <a:t>Advantages</a:t>
+            </a:r>
+            <a:endParaRPr lang="en-US" dirty="0"/>
+          </a:p>
+        </p:txBody>
+      </p:sp>
+      <p:sp>
+        <p:nvSpPr>
+          <p:cNvPr id="3" name="Content Placeholder 2"/>
+          <p:cNvSpPr>
+            <a:spLocks noGrp="1"/>
+          </p:cNvSpPr>
+          <p:nvPr>
+            <p:ph idx="1"/>
+          </p:nvPr>
+        </p:nvSpPr>
+        <p:spPr/>
+        <p:txBody>
+          <a:bodyPr/>
+          <a:lstStyle/>
+          <a:p>
             <a:r>
               <a:rPr lang="en-US" dirty="0" smtClean="0"/>
-              <a:t>Disadvantages</a:t>
-            </a:r>
+              <a:t>It is best for use on volumes of about 400 MB or more. This is because performance does not degrade under NTFS, as it does under FAT, with larger volume sizes.</a:t>
+            </a:r>
+          </a:p>
+          <a:p>
+            <a:r>
+              <a:rPr lang="en-US" dirty="0" smtClean="0"/>
+              <a:t>The recover ability designed into NTFS is such that a user should never have to run any sort of disk repair utility on an NTFS partition.</a:t>
+            </a:r>
+          </a:p>
+          <a:p>
             <a:endParaRPr lang="en-US" dirty="0"/>
-          </a:p>
-        </p:txBody>
-      </p:sp>
-      <p:sp>
-        <p:nvSpPr>
-          <p:cNvPr id="3" name="Content Placeholder 2"/>
-          <p:cNvSpPr>
-            <a:spLocks noGrp="1"/>
-          </p:cNvSpPr>
-          <p:nvPr>
-            <p:ph idx="1"/>
-          </p:nvPr>
-        </p:nvSpPr>
-        <p:spPr/>
-        <p:txBody>
-          <a:bodyPr/>
-          <a:lstStyle/>
-          <a:p>
-            <a:r>
-              <a:rPr lang="en-US" dirty="0"/>
-              <a:t>Preferably, when using drives or partitions of over 200 MB the FAT file system should not be used. This is because as the size of the volume increases, performance with FAT will quickly decrease. </a:t>
-            </a:r>
-            <a:endParaRPr lang="en-US" dirty="0" smtClean="0"/>
-          </a:p>
-          <a:p>
-            <a:r>
-              <a:rPr lang="en-US" dirty="0" smtClean="0"/>
-              <a:t>It </a:t>
-            </a:r>
-            <a:r>
-              <a:rPr lang="en-US" dirty="0"/>
-              <a:t>is not possible to set permissions on files that are FAT partitions</a:t>
-            </a:r>
-            <a:r>
-              <a:rPr lang="en-US" dirty="0" smtClean="0"/>
-              <a:t>.</a:t>
-            </a:r>
-          </a:p>
-          <a:p>
-            <a:r>
-              <a:rPr lang="en-US" dirty="0"/>
-              <a:t>FAT partitions are limited in size to a maximum of 4 Gigabytes (GB) under Windows NT and 2 GB in MS-DOS.</a:t>
-            </a:r>
           </a:p>
         </p:txBody>
       </p:sp>
     </p:spTree>
     <p:extLst>
       <p:ext uri="{BB962C8B-B14F-4D97-AF65-F5344CB8AC3E}">
-        <p14:creationId xmlns:p14="http://schemas.microsoft.com/office/powerpoint/2010/main" val="858931595"/>
+        <p14:creationId xmlns:p14="http://schemas.microsoft.com/office/powerpoint/2010/main" val="3476056218"/>
       </p:ext>
     </p:extLst>
   </p:cSld>
